--- a/REPO_MarksCodeAndPPTs/DotNetPPTs/dotnetWeek3Ppts/D15_.NET_Routing.pptx
+++ b/REPO_MarksCodeAndPPTs/DotNetPPTs/dotnetWeek3Ppts/D15_.NET_Routing.pptx
@@ -6,15 +6,18 @@
   </p:sldMasterIdLst>
   <p:sldIdLst>
     <p:sldId id="257" r:id="rId2"/>
-    <p:sldId id="258" r:id="rId3"/>
-    <p:sldId id="261" r:id="rId4"/>
-    <p:sldId id="263" r:id="rId5"/>
-    <p:sldId id="270" r:id="rId6"/>
-    <p:sldId id="265" r:id="rId7"/>
-    <p:sldId id="266" r:id="rId8"/>
-    <p:sldId id="267" r:id="rId9"/>
-    <p:sldId id="268" r:id="rId10"/>
-    <p:sldId id="269" r:id="rId11"/>
+    <p:sldId id="271" r:id="rId3"/>
+    <p:sldId id="258" r:id="rId4"/>
+    <p:sldId id="261" r:id="rId5"/>
+    <p:sldId id="263" r:id="rId6"/>
+    <p:sldId id="272" r:id="rId7"/>
+    <p:sldId id="273" r:id="rId8"/>
+    <p:sldId id="270" r:id="rId9"/>
+    <p:sldId id="265" r:id="rId10"/>
+    <p:sldId id="266" r:id="rId11"/>
+    <p:sldId id="267" r:id="rId12"/>
+    <p:sldId id="268" r:id="rId13"/>
+    <p:sldId id="269" r:id="rId14"/>
   </p:sldIdLst>
   <p:sldSz cx="12192000" cy="6858000"/>
   <p:notesSz cx="6858000" cy="9144000"/>
@@ -373,7 +376,7 @@
           <a:p>
             <a:fld id="{9184DA70-C731-4C70-880D-CCD4705E623C}" type="datetime1">
               <a:rPr lang="en-US" smtClean="0"/>
-              <a:t>3/28/2020</a:t>
+              <a:t>3/31/2020</a:t>
             </a:fld>
             <a:endParaRPr lang="en-US" dirty="0"/>
           </a:p>
@@ -561,7 +564,7 @@
           <a:p>
             <a:fld id="{B612A279-0833-481D-8C56-F67FD0AC6C50}" type="datetime1">
               <a:rPr lang="en-US" smtClean="0"/>
-              <a:t>3/28/2020</a:t>
+              <a:t>3/31/2020</a:t>
             </a:fld>
             <a:endParaRPr lang="en-US" dirty="0"/>
           </a:p>
@@ -803,7 +806,7 @@
           <a:p>
             <a:fld id="{6587DA83-5663-4C9C-B9AA-0B40A3DAFF81}" type="datetime1">
               <a:rPr lang="en-US" smtClean="0"/>
-              <a:t>3/28/2020</a:t>
+              <a:t>3/31/2020</a:t>
             </a:fld>
             <a:endParaRPr lang="en-US" dirty="0"/>
           </a:p>
@@ -991,7 +994,7 @@
           <a:p>
             <a:fld id="{4BE1D723-8F53-4F53-90B0-1982A396982E}" type="datetime1">
               <a:rPr lang="en-US" smtClean="0"/>
-              <a:t>3/28/2020</a:t>
+              <a:t>3/31/2020</a:t>
             </a:fld>
             <a:endParaRPr lang="en-US" dirty="0"/>
           </a:p>
@@ -1364,7 +1367,7 @@
           <a:p>
             <a:fld id="{97669AF7-7BEB-44E4-9852-375E34362B5B}" type="datetime1">
               <a:rPr lang="en-US" smtClean="0"/>
-              <a:t>3/28/2020</a:t>
+              <a:t>3/31/2020</a:t>
             </a:fld>
             <a:endParaRPr lang="en-US" dirty="0"/>
           </a:p>
@@ -1619,7 +1622,7 @@
           <a:p>
             <a:fld id="{BAAAC38D-0552-4C82-B593-E6124DFADBE2}" type="datetime1">
               <a:rPr lang="en-US" smtClean="0"/>
-              <a:t>3/28/2020</a:t>
+              <a:t>3/31/2020</a:t>
             </a:fld>
             <a:endParaRPr lang="en-US" dirty="0"/>
           </a:p>
@@ -2016,7 +2019,7 @@
           <a:p>
             <a:fld id="{D9DF0F1C-5577-4ACB-BB62-DF8F3C494C7E}" type="datetime1">
               <a:rPr lang="en-US" smtClean="0"/>
-              <a:t>3/28/2020</a:t>
+              <a:t>3/31/2020</a:t>
             </a:fld>
             <a:endParaRPr lang="en-US" dirty="0"/>
           </a:p>
@@ -2152,7 +2155,7 @@
           <a:p>
             <a:fld id="{1775B394-D9F9-4F0C-B15D-605F45CB9E9F}" type="datetime1">
               <a:rPr lang="en-US" smtClean="0"/>
-              <a:t>3/28/2020</a:t>
+              <a:t>3/31/2020</a:t>
             </a:fld>
             <a:endParaRPr lang="en-US" dirty="0"/>
           </a:p>
@@ -2309,7 +2312,7 @@
           <a:p>
             <a:fld id="{39667345-2558-425A-8533-9BFDBCE15005}" type="datetime1">
               <a:rPr lang="en-US" smtClean="0"/>
-              <a:t>3/28/2020</a:t>
+              <a:t>3/31/2020</a:t>
             </a:fld>
             <a:endParaRPr lang="en-US" dirty="0"/>
           </a:p>
@@ -2638,7 +2641,7 @@
           <a:p>
             <a:fld id="{92BEA474-078D-4E9B-9B14-09A87B19DC46}" type="datetime1">
               <a:rPr lang="en-US" smtClean="0"/>
-              <a:t>3/28/2020</a:t>
+              <a:t>3/31/2020</a:t>
             </a:fld>
             <a:endParaRPr lang="en-US" dirty="0"/>
           </a:p>
@@ -2988,7 +2991,7 @@
           <a:p>
             <a:fld id="{4907D986-8816-4272-A432-0437A28A9828}" type="datetime1">
               <a:rPr lang="en-US" smtClean="0"/>
-              <a:t>3/28/2020</a:t>
+              <a:t>3/31/2020</a:t>
             </a:fld>
             <a:endParaRPr lang="en-US" dirty="0"/>
           </a:p>
@@ -3249,7 +3252,7 @@
           <a:p>
             <a:fld id="{62D6E202-B606-4609-B914-27C9371A1F6D}" type="datetime1">
               <a:rPr lang="en-US" smtClean="0"/>
-              <a:t>3/28/2020</a:t>
+              <a:t>3/31/2020</a:t>
             </a:fld>
             <a:endParaRPr lang="en-US" dirty="0"/>
           </a:p>
@@ -4042,7 +4045,7 @@
           <p:cNvPr id="2" name="Title 1">
             <a:extLst>
               <a:ext uri="{FF2B5EF4-FFF2-40B4-BE49-F238E27FC236}">
-                <a16:creationId xmlns:a16="http://schemas.microsoft.com/office/drawing/2014/main" id="{82BD8A50-35A9-4AB1-9E9B-F0E03C4B11CE}"/>
+                <a16:creationId xmlns:a16="http://schemas.microsoft.com/office/drawing/2014/main" id="{E7C2FFBC-6CE0-4D13-A655-56A0FB2FC3B2}"/>
               </a:ext>
             </a:extLst>
           </p:cNvPr>
@@ -4053,12 +4056,7 @@
             <p:ph type="title"/>
           </p:nvPr>
         </p:nvSpPr>
-        <p:spPr>
-          <a:xfrm>
-            <a:off x="1097280" y="286603"/>
-            <a:ext cx="6187828" cy="1450757"/>
-          </a:xfrm>
-        </p:spPr>
+        <p:spPr/>
         <p:txBody>
           <a:bodyPr>
             <a:normAutofit fontScale="90000"/>
@@ -4067,18 +4065,795 @@
           <a:p>
             <a:r>
               <a:rPr lang="en-US" dirty="0"/>
-              <a:t>Attribute Routing - HTTP Verb Templates</a:t>
+              <a:t>Conventional Routing</a:t>
             </a:r>
             <a:br>
               <a:rPr lang="en-US" dirty="0"/>
             </a:br>
             <a:r>
-              <a:rPr lang="en-US" sz="1300" dirty="0">
+              <a:rPr lang="en-US" sz="1400" dirty="0">
+                <a:hlinkClick r:id="rId2"/>
+              </a:rPr>
+              <a:t>https://docs.microsoft.com/en-us/aspnet/core/mvc/controllers/routing?view=aspnetcore-3.1#set-up-conventional-route</a:t>
+            </a:r>
+            <a:br>
+              <a:rPr lang="en-US" sz="1400" dirty="0"/>
+            </a:br>
+            <a:r>
+              <a:rPr lang="en-US" sz="1400" dirty="0">
+                <a:hlinkClick r:id="rId3"/>
+              </a:rPr>
+              <a:t>https://docs.microsoft.com/en-us/aspnet/core/mvc/controllers/routing?view=aspnetcore-3.1#multiple-conventional-routes</a:t>
+            </a:r>
+            <a:endParaRPr lang="en-US" dirty="0"/>
+          </a:p>
+        </p:txBody>
+      </p:sp>
+      <p:sp>
+        <p:nvSpPr>
+          <p:cNvPr id="3" name="Content Placeholder 2">
+            <a:extLst>
+              <a:ext uri="{FF2B5EF4-FFF2-40B4-BE49-F238E27FC236}">
+                <a16:creationId xmlns:a16="http://schemas.microsoft.com/office/drawing/2014/main" id="{E02825AE-D057-4E36-BEAE-44C66FE0C8CD}"/>
+              </a:ext>
+            </a:extLst>
+          </p:cNvPr>
+          <p:cNvSpPr>
+            <a:spLocks noGrp="1"/>
+          </p:cNvSpPr>
+          <p:nvPr>
+            <p:ph idx="1"/>
+          </p:nvPr>
+        </p:nvSpPr>
+        <p:spPr>
+          <a:xfrm>
+            <a:off x="304801" y="1905103"/>
+            <a:ext cx="4403677" cy="4495698"/>
+          </a:xfrm>
+        </p:spPr>
+        <p:txBody>
+          <a:bodyPr>
+            <a:normAutofit fontScale="92500" lnSpcReduction="10000"/>
+          </a:bodyPr>
+          <a:lstStyle/>
+          <a:p>
+            <a:r>
+              <a:rPr lang="en-US" sz="2400" dirty="0"/>
+              <a:t>The route template (in </a:t>
+            </a:r>
+            <a:r>
+              <a:rPr lang="en-US" sz="2400" dirty="0" err="1"/>
+              <a:t>Startup.cs</a:t>
+            </a:r>
+            <a:r>
+              <a:rPr lang="en-US" sz="2400" dirty="0"/>
+              <a:t>) "</a:t>
+            </a:r>
+            <a:r>
+              <a:rPr lang="en-US" sz="2400" u="sng" dirty="0"/>
+              <a:t>{controller=Home}/{action=Index}/{id?}</a:t>
+            </a:r>
+            <a:r>
+              <a:rPr lang="en-US" sz="2400" dirty="0"/>
+              <a:t>“ matches a URL path like </a:t>
+            </a:r>
+            <a:r>
+              <a:rPr lang="en-US" sz="2400" u="sng" dirty="0"/>
+              <a:t>/Products/Details/5.</a:t>
+            </a:r>
+          </a:p>
+          <a:p>
+            <a:r>
+              <a:rPr lang="en-US" sz="2400" dirty="0"/>
+              <a:t>The route template extracts (</a:t>
+            </a:r>
+            <a:r>
+              <a:rPr lang="en-US" sz="2400" b="1" i="1" dirty="0"/>
+              <a:t>tokenizes</a:t>
+            </a:r>
+            <a:r>
+              <a:rPr lang="en-US" sz="2400" dirty="0"/>
+              <a:t>) the route values { </a:t>
+            </a:r>
+            <a:r>
+              <a:rPr lang="en-US" sz="2400" u="sng" dirty="0"/>
+              <a:t>controller = Products, action = Details, id = 5</a:t>
+            </a:r>
+            <a:r>
+              <a:rPr lang="en-US" sz="2400" dirty="0"/>
+              <a:t> } which results in a match if the app has a </a:t>
+            </a:r>
+            <a:r>
+              <a:rPr lang="en-US" sz="2400" b="1" i="1" dirty="0"/>
+              <a:t>controller</a:t>
+            </a:r>
+            <a:r>
+              <a:rPr lang="en-US" sz="2400" dirty="0"/>
+              <a:t> named </a:t>
+            </a:r>
+            <a:r>
+              <a:rPr lang="en-US" sz="2400" u="sng" dirty="0" err="1"/>
+              <a:t>ProductsController</a:t>
+            </a:r>
+            <a:r>
+              <a:rPr lang="en-US" sz="2400" dirty="0"/>
+              <a:t> and a </a:t>
+            </a:r>
+            <a:r>
+              <a:rPr lang="en-US" sz="2400" u="sng" dirty="0"/>
+              <a:t>Details</a:t>
+            </a:r>
+            <a:r>
+              <a:rPr lang="en-US" sz="2400" dirty="0"/>
+              <a:t> </a:t>
+            </a:r>
+            <a:r>
+              <a:rPr lang="en-US" sz="2400" b="1" i="1" dirty="0"/>
+              <a:t>action.</a:t>
+            </a:r>
+            <a:r>
+              <a:rPr lang="en-US" sz="2400" dirty="0"/>
+              <a:t> The </a:t>
+            </a:r>
+            <a:r>
+              <a:rPr lang="en-US" sz="2400" b="1" i="1" dirty="0"/>
+              <a:t>id</a:t>
+            </a:r>
+            <a:r>
+              <a:rPr lang="en-US" sz="2400" dirty="0"/>
+              <a:t> value is optional due to the </a:t>
+            </a:r>
+            <a:r>
+              <a:rPr lang="en-US" sz="2400" b="1" i="1" dirty="0"/>
+              <a:t>?</a:t>
+            </a:r>
+            <a:r>
+              <a:rPr lang="en-US" sz="2400" dirty="0"/>
+              <a:t>.</a:t>
+            </a:r>
+          </a:p>
+        </p:txBody>
+      </p:sp>
+      <p:pic>
+        <p:nvPicPr>
+          <p:cNvPr id="4" name="Picture 3">
+            <a:extLst>
+              <a:ext uri="{FF2B5EF4-FFF2-40B4-BE49-F238E27FC236}">
+                <a16:creationId xmlns:a16="http://schemas.microsoft.com/office/drawing/2014/main" id="{00718CB3-C6AD-4AD0-9827-039EEE5D418D}"/>
+              </a:ext>
+            </a:extLst>
+          </p:cNvPr>
+          <p:cNvPicPr>
+            <a:picLocks noChangeAspect="1"/>
+          </p:cNvPicPr>
+          <p:nvPr/>
+        </p:nvPicPr>
+        <p:blipFill>
+          <a:blip r:embed="rId4"/>
+          <a:stretch>
+            <a:fillRect/>
+          </a:stretch>
+        </p:blipFill>
+        <p:spPr>
+          <a:xfrm>
+            <a:off x="4836764" y="2236338"/>
+            <a:ext cx="7050435" cy="1836164"/>
+          </a:xfrm>
+          <a:prstGeom prst="rect">
+            <a:avLst/>
+          </a:prstGeom>
+          <a:effectLst>
+            <a:glow rad="50800">
+              <a:schemeClr val="accent2"/>
+            </a:glow>
+          </a:effectLst>
+        </p:spPr>
+      </p:pic>
+      <p:pic>
+        <p:nvPicPr>
+          <p:cNvPr id="5" name="Picture 4">
+            <a:extLst>
+              <a:ext uri="{FF2B5EF4-FFF2-40B4-BE49-F238E27FC236}">
+                <a16:creationId xmlns:a16="http://schemas.microsoft.com/office/drawing/2014/main" id="{77F0B928-7543-42E2-823D-77F750DBE220}"/>
+              </a:ext>
+            </a:extLst>
+          </p:cNvPr>
+          <p:cNvPicPr>
+            <a:picLocks noChangeAspect="1"/>
+          </p:cNvPicPr>
+          <p:nvPr/>
+        </p:nvPicPr>
+        <p:blipFill>
+          <a:blip r:embed="rId5"/>
+          <a:stretch>
+            <a:fillRect/>
+          </a:stretch>
+        </p:blipFill>
+        <p:spPr>
+          <a:xfrm>
+            <a:off x="4836764" y="4224819"/>
+            <a:ext cx="7050434" cy="1911393"/>
+          </a:xfrm>
+          <a:prstGeom prst="rect">
+            <a:avLst/>
+          </a:prstGeom>
+          <a:effectLst>
+            <a:glow rad="50800">
+              <a:schemeClr val="accent2"/>
+            </a:glow>
+          </a:effectLst>
+        </p:spPr>
+      </p:pic>
+    </p:spTree>
+    <p:extLst>
+      <p:ext uri="{BB962C8B-B14F-4D97-AF65-F5344CB8AC3E}">
+        <p14:creationId xmlns:p14="http://schemas.microsoft.com/office/powerpoint/2010/main" val="2628654874"/>
+      </p:ext>
+    </p:extLst>
+  </p:cSld>
+  <p:clrMapOvr>
+    <a:masterClrMapping/>
+  </p:clrMapOvr>
+</p:sld>
+</file>
+
+<file path=ppt/slides/slide11.xml><?xml version="1.0" encoding="utf-8"?>
+<p:sld xmlns:a="http://schemas.openxmlformats.org/drawingml/2006/main" xmlns:r="http://schemas.openxmlformats.org/officeDocument/2006/relationships" xmlns:p="http://schemas.openxmlformats.org/presentationml/2006/main">
+  <p:cSld>
+    <p:spTree>
+      <p:nvGrpSpPr>
+        <p:cNvPr id="1" name=""/>
+        <p:cNvGrpSpPr/>
+        <p:nvPr/>
+      </p:nvGrpSpPr>
+      <p:grpSpPr>
+        <a:xfrm>
+          <a:off x="0" y="0"/>
+          <a:ext cx="0" cy="0"/>
+          <a:chOff x="0" y="0"/>
+          <a:chExt cx="0" cy="0"/>
+        </a:xfrm>
+      </p:grpSpPr>
+      <p:sp>
+        <p:nvSpPr>
+          <p:cNvPr id="2" name="Title 1">
+            <a:extLst>
+              <a:ext uri="{FF2B5EF4-FFF2-40B4-BE49-F238E27FC236}">
+                <a16:creationId xmlns:a16="http://schemas.microsoft.com/office/drawing/2014/main" id="{C171FFDA-DC4E-4547-9BF2-ABA6D7A256C7}"/>
+              </a:ext>
+            </a:extLst>
+          </p:cNvPr>
+          <p:cNvSpPr>
+            <a:spLocks noGrp="1"/>
+          </p:cNvSpPr>
+          <p:nvPr>
+            <p:ph type="title"/>
+          </p:nvPr>
+        </p:nvSpPr>
+        <p:spPr/>
+        <p:txBody>
+          <a:bodyPr>
+            <a:normAutofit/>
+          </a:bodyPr>
+          <a:lstStyle/>
+          <a:p>
+            <a:r>
+              <a:rPr lang="en-US" dirty="0"/>
+              <a:t>Attribute Routing – REST API’s</a:t>
+            </a:r>
+            <a:br>
+              <a:rPr lang="en-US" dirty="0"/>
+            </a:br>
+            <a:r>
+              <a:rPr lang="en-US" sz="1200" dirty="0">
+                <a:hlinkClick r:id="rId2"/>
+              </a:rPr>
+              <a:t>https://docs.microsoft.com/en-us/aspnet/core/mvc/controllers/routing?view=aspnetcore-3.1#attribute-routing-for-rest-apis</a:t>
+            </a:r>
+            <a:endParaRPr lang="en-US" sz="1200" dirty="0"/>
+          </a:p>
+        </p:txBody>
+      </p:sp>
+      <p:sp>
+        <p:nvSpPr>
+          <p:cNvPr id="3" name="Content Placeholder 2">
+            <a:extLst>
+              <a:ext uri="{FF2B5EF4-FFF2-40B4-BE49-F238E27FC236}">
+                <a16:creationId xmlns:a16="http://schemas.microsoft.com/office/drawing/2014/main" id="{636D022F-B0E8-463F-ADCC-9FFE259CFDFF}"/>
+              </a:ext>
+            </a:extLst>
+          </p:cNvPr>
+          <p:cNvSpPr>
+            <a:spLocks noGrp="1"/>
+          </p:cNvSpPr>
+          <p:nvPr>
+            <p:ph idx="1"/>
+          </p:nvPr>
+        </p:nvSpPr>
+        <p:spPr>
+          <a:xfrm>
+            <a:off x="1097280" y="1922781"/>
+            <a:ext cx="10058400" cy="2145022"/>
+          </a:xfrm>
+        </p:spPr>
+        <p:txBody>
+          <a:bodyPr>
+            <a:normAutofit/>
+          </a:bodyPr>
+          <a:lstStyle/>
+          <a:p>
+            <a:r>
+              <a:rPr lang="en-US" sz="2000" b="1" i="1" dirty="0"/>
+              <a:t>REST APIs </a:t>
+            </a:r>
+            <a:r>
+              <a:rPr lang="en-US" sz="2000" dirty="0"/>
+              <a:t>should use </a:t>
+            </a:r>
+            <a:r>
+              <a:rPr lang="en-US" sz="2000" b="1" i="1" dirty="0"/>
+              <a:t>attribute routing </a:t>
+            </a:r>
+            <a:r>
+              <a:rPr lang="en-US" sz="2000" dirty="0"/>
+              <a:t>to model the app's functionality as a set of resources where operations are represented by </a:t>
+            </a:r>
+            <a:r>
+              <a:rPr lang="en-US" sz="2000" b="1" i="1" dirty="0"/>
+              <a:t>HTTP verbs</a:t>
+            </a:r>
+            <a:r>
+              <a:rPr lang="en-US" sz="2000" dirty="0"/>
+              <a:t>.</a:t>
+            </a:r>
+          </a:p>
+          <a:p>
+            <a:r>
+              <a:rPr lang="en-US" sz="2000" b="1" i="1" dirty="0"/>
+              <a:t>Attribute routing </a:t>
+            </a:r>
+            <a:r>
+              <a:rPr lang="en-US" sz="2000" dirty="0"/>
+              <a:t>uses sets of </a:t>
+            </a:r>
+            <a:r>
+              <a:rPr lang="en-US" sz="2000" b="1" i="1" dirty="0"/>
+              <a:t>attributes</a:t>
+            </a:r>
+            <a:r>
+              <a:rPr lang="en-US" sz="2000" dirty="0"/>
+              <a:t> on each </a:t>
+            </a:r>
+            <a:r>
+              <a:rPr lang="en-US" sz="2000" b="1" i="1" dirty="0"/>
+              <a:t>controller action </a:t>
+            </a:r>
+            <a:r>
+              <a:rPr lang="en-US" sz="2000" dirty="0"/>
+              <a:t>to map </a:t>
+            </a:r>
+            <a:r>
+              <a:rPr lang="en-US" sz="2000" b="1" i="1" dirty="0"/>
+              <a:t>actions</a:t>
+            </a:r>
+            <a:r>
+              <a:rPr lang="en-US" sz="2000" dirty="0"/>
+              <a:t> directly to route templates. The following </a:t>
+            </a:r>
+            <a:r>
+              <a:rPr lang="en-US" sz="2000" b="1" i="1" dirty="0" err="1"/>
+              <a:t>StartUp.Configure</a:t>
+            </a:r>
+            <a:r>
+              <a:rPr lang="en-US" sz="2000" b="1" i="1" dirty="0"/>
+              <a:t> </a:t>
+            </a:r>
+            <a:r>
+              <a:rPr lang="en-US" sz="2000" dirty="0"/>
+              <a:t>code is typical for a </a:t>
+            </a:r>
+            <a:r>
+              <a:rPr lang="en-US" sz="2000" b="1" i="1" dirty="0"/>
+              <a:t>REST API</a:t>
+            </a:r>
+            <a:r>
+              <a:rPr lang="en-US" sz="2000" dirty="0"/>
+              <a:t>. </a:t>
+            </a:r>
+            <a:r>
+              <a:rPr lang="en-US" sz="2000" b="1" i="1" dirty="0" err="1"/>
+              <a:t>MapControllers</a:t>
+            </a:r>
+            <a:r>
+              <a:rPr lang="en-US" sz="2000" b="1" i="1" dirty="0"/>
+              <a:t>()</a:t>
+            </a:r>
+            <a:r>
+              <a:rPr lang="en-US" sz="2000" dirty="0"/>
+              <a:t> is called inside </a:t>
+            </a:r>
+            <a:r>
+              <a:rPr lang="en-US" sz="2000" b="1" i="1" dirty="0" err="1"/>
+              <a:t>UseEndpoints</a:t>
+            </a:r>
+            <a:r>
+              <a:rPr lang="en-US" sz="2000" b="1" i="1" dirty="0"/>
+              <a:t>()</a:t>
+            </a:r>
+            <a:r>
+              <a:rPr lang="en-US" sz="2000" dirty="0"/>
+              <a:t> to map </a:t>
+            </a:r>
+            <a:r>
+              <a:rPr lang="en-US" sz="2000" u="sng" dirty="0"/>
+              <a:t>attribute routed </a:t>
+            </a:r>
+            <a:r>
+              <a:rPr lang="en-US" sz="2000" dirty="0"/>
+              <a:t>controllers.</a:t>
+            </a:r>
+          </a:p>
+        </p:txBody>
+      </p:sp>
+      <p:pic>
+        <p:nvPicPr>
+          <p:cNvPr id="5" name="Picture 4">
+            <a:extLst>
+              <a:ext uri="{FF2B5EF4-FFF2-40B4-BE49-F238E27FC236}">
+                <a16:creationId xmlns:a16="http://schemas.microsoft.com/office/drawing/2014/main" id="{4FE56C91-9BE8-481A-90F0-2DF41C063B42}"/>
+              </a:ext>
+            </a:extLst>
+          </p:cNvPr>
+          <p:cNvPicPr>
+            <a:picLocks noChangeAspect="1"/>
+          </p:cNvPicPr>
+          <p:nvPr/>
+        </p:nvPicPr>
+        <p:blipFill>
+          <a:blip r:embed="rId3"/>
+          <a:stretch>
+            <a:fillRect/>
+          </a:stretch>
+        </p:blipFill>
+        <p:spPr>
+          <a:xfrm>
+            <a:off x="2022762" y="3907576"/>
+            <a:ext cx="8257179" cy="2839112"/>
+          </a:xfrm>
+          <a:prstGeom prst="rect">
+            <a:avLst/>
+          </a:prstGeom>
+          <a:effectLst>
+            <a:glow rad="63500">
+              <a:schemeClr val="accent2"/>
+            </a:glow>
+          </a:effectLst>
+        </p:spPr>
+      </p:pic>
+    </p:spTree>
+    <p:extLst>
+      <p:ext uri="{BB962C8B-B14F-4D97-AF65-F5344CB8AC3E}">
+        <p14:creationId xmlns:p14="http://schemas.microsoft.com/office/powerpoint/2010/main" val="983291343"/>
+      </p:ext>
+    </p:extLst>
+  </p:cSld>
+  <p:clrMapOvr>
+    <a:masterClrMapping/>
+  </p:clrMapOvr>
+</p:sld>
+</file>
+
+<file path=ppt/slides/slide12.xml><?xml version="1.0" encoding="utf-8"?>
+<p:sld xmlns:a="http://schemas.openxmlformats.org/drawingml/2006/main" xmlns:r="http://schemas.openxmlformats.org/officeDocument/2006/relationships" xmlns:p="http://schemas.openxmlformats.org/presentationml/2006/main">
+  <p:cSld>
+    <p:spTree>
+      <p:nvGrpSpPr>
+        <p:cNvPr id="1" name=""/>
+        <p:cNvGrpSpPr/>
+        <p:nvPr/>
+      </p:nvGrpSpPr>
+      <p:grpSpPr>
+        <a:xfrm>
+          <a:off x="0" y="0"/>
+          <a:ext cx="0" cy="0"/>
+          <a:chOff x="0" y="0"/>
+          <a:chExt cx="0" cy="0"/>
+        </a:xfrm>
+      </p:grpSpPr>
+      <p:sp>
+        <p:nvSpPr>
+          <p:cNvPr id="2" name="Title 1">
+            <a:extLst>
+              <a:ext uri="{FF2B5EF4-FFF2-40B4-BE49-F238E27FC236}">
+                <a16:creationId xmlns:a16="http://schemas.microsoft.com/office/drawing/2014/main" id="{79CA0BCC-5211-4CEF-8C26-6D836CC3AA29}"/>
+              </a:ext>
+            </a:extLst>
+          </p:cNvPr>
+          <p:cNvSpPr>
+            <a:spLocks noGrp="1"/>
+          </p:cNvSpPr>
+          <p:nvPr>
+            <p:ph type="title"/>
+          </p:nvPr>
+        </p:nvSpPr>
+        <p:spPr/>
+        <p:txBody>
+          <a:bodyPr>
+            <a:normAutofit/>
+          </a:bodyPr>
+          <a:lstStyle/>
+          <a:p>
+            <a:r>
+              <a:rPr lang="en-US" dirty="0"/>
+              <a:t>Attribute Routing – REST API’s</a:t>
+            </a:r>
+            <a:br>
+              <a:rPr lang="en-US" dirty="0"/>
+            </a:br>
+            <a:r>
+              <a:rPr lang="en-US" sz="1200" dirty="0">
+                <a:hlinkClick r:id="rId2"/>
+              </a:rPr>
+              <a:t>https://docs.microsoft.com/en-us/aspnet/core/mvc/controllers/routing?view=aspnetcore-3.1#attribute-routing-for-rest-apis</a:t>
+            </a:r>
+            <a:endParaRPr lang="en-US" dirty="0"/>
+          </a:p>
+        </p:txBody>
+      </p:sp>
+      <p:sp>
+        <p:nvSpPr>
+          <p:cNvPr id="3" name="Content Placeholder 2">
+            <a:extLst>
+              <a:ext uri="{FF2B5EF4-FFF2-40B4-BE49-F238E27FC236}">
+                <a16:creationId xmlns:a16="http://schemas.microsoft.com/office/drawing/2014/main" id="{25C8006E-3A88-473D-94CB-DCC3427A46D0}"/>
+              </a:ext>
+            </a:extLst>
+          </p:cNvPr>
+          <p:cNvSpPr>
+            <a:spLocks noGrp="1"/>
+          </p:cNvSpPr>
+          <p:nvPr>
+            <p:ph idx="1"/>
+          </p:nvPr>
+        </p:nvSpPr>
+        <p:spPr>
+          <a:xfrm>
+            <a:off x="581891" y="1910687"/>
+            <a:ext cx="5232055" cy="4490113"/>
+          </a:xfrm>
+        </p:spPr>
+        <p:txBody>
+          <a:bodyPr anchor="ctr">
+            <a:normAutofit/>
+          </a:bodyPr>
+          <a:lstStyle/>
+          <a:p>
+            <a:r>
+              <a:rPr lang="en-US" sz="2000" dirty="0"/>
+              <a:t>In this example, the </a:t>
+            </a:r>
+            <a:r>
+              <a:rPr lang="en-US" sz="2000" b="1" i="1" dirty="0"/>
+              <a:t>Configure</a:t>
+            </a:r>
+            <a:r>
+              <a:rPr lang="en-US" sz="2000" dirty="0"/>
+              <a:t> method is used.</a:t>
+            </a:r>
+          </a:p>
+          <a:p>
+            <a:r>
+              <a:rPr lang="en-US" sz="2000" b="1" i="1" dirty="0" err="1"/>
+              <a:t>HomeController</a:t>
+            </a:r>
+            <a:r>
+              <a:rPr lang="en-US" sz="2000" dirty="0"/>
+              <a:t> matches a set of URLs similar to what the default </a:t>
+            </a:r>
+            <a:r>
+              <a:rPr lang="en-US" sz="2000" b="1" i="1" dirty="0"/>
+              <a:t>conventional</a:t>
+            </a:r>
+            <a:r>
+              <a:rPr lang="en-US" sz="2000" dirty="0"/>
+              <a:t> route {</a:t>
+            </a:r>
+            <a:r>
+              <a:rPr lang="en-US" sz="2000" u="sng" dirty="0"/>
+              <a:t>controller=Home}/{action=Index}/{id?} </a:t>
+            </a:r>
+            <a:r>
+              <a:rPr lang="en-US" sz="2000" dirty="0"/>
+              <a:t>matches. </a:t>
+            </a:r>
+            <a:r>
+              <a:rPr lang="en-US" sz="2000" b="1" i="1" dirty="0"/>
+              <a:t>Attribute routing </a:t>
+            </a:r>
+            <a:r>
+              <a:rPr lang="en-US" sz="2000" dirty="0"/>
+              <a:t>requires more input to specify a route. </a:t>
+            </a:r>
+            <a:r>
+              <a:rPr lang="en-US" sz="2000" b="1" i="1" dirty="0"/>
+              <a:t>Conventional Routing </a:t>
+            </a:r>
+            <a:r>
+              <a:rPr lang="en-US" sz="2000" dirty="0"/>
+              <a:t>handles routes more succinctly, but </a:t>
+            </a:r>
+            <a:r>
+              <a:rPr lang="en-US" sz="2000" b="1" i="1" dirty="0"/>
+              <a:t>Attribute Routing</a:t>
+            </a:r>
+            <a:r>
+              <a:rPr lang="en-US" sz="2000" dirty="0"/>
+              <a:t> allows (and requires) precise control of which route templates apply to each </a:t>
+            </a:r>
+            <a:r>
+              <a:rPr lang="en-US" sz="2000" b="1" i="1" dirty="0"/>
+              <a:t>action</a:t>
+            </a:r>
+            <a:r>
+              <a:rPr lang="en-US" sz="2000" dirty="0"/>
+              <a:t>.</a:t>
+            </a:r>
+          </a:p>
+          <a:p>
+            <a:r>
+              <a:rPr lang="en-US" sz="2000" dirty="0"/>
+              <a:t>With </a:t>
+            </a:r>
+            <a:r>
+              <a:rPr lang="en-US" sz="2000" b="1" i="1" dirty="0"/>
+              <a:t>attribute routing</a:t>
+            </a:r>
+            <a:r>
+              <a:rPr lang="en-US" sz="2000" dirty="0"/>
+              <a:t>, the </a:t>
+            </a:r>
+            <a:r>
+              <a:rPr lang="en-US" sz="2000" b="1" i="1" dirty="0"/>
+              <a:t>controller</a:t>
+            </a:r>
+            <a:r>
+              <a:rPr lang="en-US" sz="2000" dirty="0"/>
+              <a:t> name and </a:t>
+            </a:r>
+            <a:r>
+              <a:rPr lang="en-US" sz="2000" b="1" i="1" dirty="0"/>
+              <a:t>action</a:t>
+            </a:r>
+            <a:r>
+              <a:rPr lang="en-US" sz="2000" dirty="0"/>
+              <a:t> names play </a:t>
+            </a:r>
+            <a:r>
+              <a:rPr lang="en-US" sz="2000" u="sng" dirty="0"/>
+              <a:t>no</a:t>
+            </a:r>
+            <a:r>
+              <a:rPr lang="en-US" sz="2000" dirty="0"/>
+              <a:t> role in which </a:t>
+            </a:r>
+            <a:r>
+              <a:rPr lang="en-US" sz="2000" b="1" i="1" dirty="0"/>
+              <a:t>action</a:t>
+            </a:r>
+            <a:r>
+              <a:rPr lang="en-US" sz="2000" dirty="0"/>
+              <a:t> is matched.</a:t>
+            </a:r>
+          </a:p>
+        </p:txBody>
+      </p:sp>
+      <p:pic>
+        <p:nvPicPr>
+          <p:cNvPr id="5" name="Picture 4">
+            <a:extLst>
+              <a:ext uri="{FF2B5EF4-FFF2-40B4-BE49-F238E27FC236}">
+                <a16:creationId xmlns:a16="http://schemas.microsoft.com/office/drawing/2014/main" id="{77CC8C17-3C97-4CF8-A2C3-5C0A7637E7F8}"/>
+              </a:ext>
+            </a:extLst>
+          </p:cNvPr>
+          <p:cNvPicPr>
+            <a:picLocks noChangeAspect="1"/>
+          </p:cNvPicPr>
+          <p:nvPr/>
+        </p:nvPicPr>
+        <p:blipFill>
+          <a:blip r:embed="rId3"/>
+          <a:stretch>
+            <a:fillRect/>
+          </a:stretch>
+        </p:blipFill>
+        <p:spPr>
+          <a:xfrm>
+            <a:off x="6082351" y="2083647"/>
+            <a:ext cx="5905009" cy="4569634"/>
+          </a:xfrm>
+          <a:prstGeom prst="rect">
+            <a:avLst/>
+          </a:prstGeom>
+          <a:effectLst>
+            <a:glow rad="50800">
+              <a:schemeClr val="accent2"/>
+            </a:glow>
+          </a:effectLst>
+        </p:spPr>
+      </p:pic>
+    </p:spTree>
+    <p:extLst>
+      <p:ext uri="{BB962C8B-B14F-4D97-AF65-F5344CB8AC3E}">
+        <p14:creationId xmlns:p14="http://schemas.microsoft.com/office/powerpoint/2010/main" val="2518382446"/>
+      </p:ext>
+    </p:extLst>
+  </p:cSld>
+  <p:clrMapOvr>
+    <a:masterClrMapping/>
+  </p:clrMapOvr>
+</p:sld>
+</file>
+
+<file path=ppt/slides/slide13.xml><?xml version="1.0" encoding="utf-8"?>
+<p:sld xmlns:a="http://schemas.openxmlformats.org/drawingml/2006/main" xmlns:r="http://schemas.openxmlformats.org/officeDocument/2006/relationships" xmlns:p="http://schemas.openxmlformats.org/presentationml/2006/main">
+  <p:cSld>
+    <p:spTree>
+      <p:nvGrpSpPr>
+        <p:cNvPr id="1" name=""/>
+        <p:cNvGrpSpPr/>
+        <p:nvPr/>
+      </p:nvGrpSpPr>
+      <p:grpSpPr>
+        <a:xfrm>
+          <a:off x="0" y="0"/>
+          <a:ext cx="0" cy="0"/>
+          <a:chOff x="0" y="0"/>
+          <a:chExt cx="0" cy="0"/>
+        </a:xfrm>
+      </p:grpSpPr>
+      <p:sp>
+        <p:nvSpPr>
+          <p:cNvPr id="2" name="Title 1">
+            <a:extLst>
+              <a:ext uri="{FF2B5EF4-FFF2-40B4-BE49-F238E27FC236}">
+                <a16:creationId xmlns:a16="http://schemas.microsoft.com/office/drawing/2014/main" id="{82BD8A50-35A9-4AB1-9E9B-F0E03C4B11CE}"/>
+              </a:ext>
+            </a:extLst>
+          </p:cNvPr>
+          <p:cNvSpPr>
+            <a:spLocks noGrp="1"/>
+          </p:cNvSpPr>
+          <p:nvPr>
+            <p:ph type="title"/>
+          </p:nvPr>
+        </p:nvSpPr>
+        <p:spPr>
+          <a:xfrm>
+            <a:off x="1097280" y="286603"/>
+            <a:ext cx="5794840" cy="1450757"/>
+          </a:xfrm>
+        </p:spPr>
+        <p:txBody>
+          <a:bodyPr>
+            <a:normAutofit fontScale="90000"/>
+          </a:bodyPr>
+          <a:lstStyle/>
+          <a:p>
+            <a:r>
+              <a:rPr lang="en-US" dirty="0"/>
+              <a:t>Attribute Routing - HTTP Verb Templates</a:t>
+            </a:r>
+            <a:br>
+              <a:rPr lang="en-US" dirty="0"/>
+            </a:br>
+            <a:r>
+              <a:rPr lang="en-US" sz="900" dirty="0">
                 <a:hlinkClick r:id="rId2"/>
               </a:rPr>
               <a:t>https://docs.microsoft.com/en-us/aspnet/core/mvc/controllers/routing?view=aspnetcore-3.1#http-verb-templates</a:t>
             </a:r>
-            <a:endParaRPr lang="en-US" dirty="0"/>
+            <a:endParaRPr lang="en-US" sz="900" dirty="0"/>
           </a:p>
         </p:txBody>
       </p:sp>
@@ -4309,6 +5084,116 @@
 <file path=ppt/slides/slide2.xml><?xml version="1.0" encoding="utf-8"?>
 <p:sld xmlns:a="http://schemas.openxmlformats.org/drawingml/2006/main" xmlns:r="http://schemas.openxmlformats.org/officeDocument/2006/relationships" xmlns:p="http://schemas.openxmlformats.org/presentationml/2006/main">
   <p:cSld>
+    <p:spTree>
+      <p:nvGrpSpPr>
+        <p:cNvPr id="1" name=""/>
+        <p:cNvGrpSpPr/>
+        <p:nvPr/>
+      </p:nvGrpSpPr>
+      <p:grpSpPr>
+        <a:xfrm>
+          <a:off x="0" y="0"/>
+          <a:ext cx="0" cy="0"/>
+          <a:chOff x="0" y="0"/>
+          <a:chExt cx="0" cy="0"/>
+        </a:xfrm>
+      </p:grpSpPr>
+      <p:sp>
+        <p:nvSpPr>
+          <p:cNvPr id="2" name="Title 1">
+            <a:extLst>
+              <a:ext uri="{FF2B5EF4-FFF2-40B4-BE49-F238E27FC236}">
+                <a16:creationId xmlns:a16="http://schemas.microsoft.com/office/drawing/2014/main" id="{2287B113-6868-456A-BCC1-6B61E9E3D85A}"/>
+              </a:ext>
+            </a:extLst>
+          </p:cNvPr>
+          <p:cNvSpPr>
+            <a:spLocks noGrp="1"/>
+          </p:cNvSpPr>
+          <p:nvPr>
+            <p:ph type="title"/>
+          </p:nvPr>
+        </p:nvSpPr>
+        <p:spPr/>
+        <p:txBody>
+          <a:bodyPr/>
+          <a:lstStyle/>
+          <a:p>
+            <a:endParaRPr lang="en-US"/>
+          </a:p>
+        </p:txBody>
+      </p:sp>
+      <p:sp>
+        <p:nvSpPr>
+          <p:cNvPr id="3" name="Content Placeholder 2">
+            <a:extLst>
+              <a:ext uri="{FF2B5EF4-FFF2-40B4-BE49-F238E27FC236}">
+                <a16:creationId xmlns:a16="http://schemas.microsoft.com/office/drawing/2014/main" id="{EAF3F73D-843A-4EC7-BFE2-387509CFB6D6}"/>
+              </a:ext>
+            </a:extLst>
+          </p:cNvPr>
+          <p:cNvSpPr>
+            <a:spLocks noGrp="1"/>
+          </p:cNvSpPr>
+          <p:nvPr>
+            <p:ph idx="1"/>
+          </p:nvPr>
+        </p:nvSpPr>
+        <p:spPr/>
+        <p:txBody>
+          <a:bodyPr/>
+          <a:lstStyle/>
+          <a:p>
+            <a:endParaRPr lang="en-US"/>
+          </a:p>
+        </p:txBody>
+      </p:sp>
+      <p:pic>
+        <p:nvPicPr>
+          <p:cNvPr id="6" name="Picture 5">
+            <a:extLst>
+              <a:ext uri="{FF2B5EF4-FFF2-40B4-BE49-F238E27FC236}">
+                <a16:creationId xmlns:a16="http://schemas.microsoft.com/office/drawing/2014/main" id="{22E4E1C7-8C7B-4722-9F99-9837118BCADA}"/>
+              </a:ext>
+            </a:extLst>
+          </p:cNvPr>
+          <p:cNvPicPr>
+            <a:picLocks noChangeAspect="1"/>
+          </p:cNvPicPr>
+          <p:nvPr/>
+        </p:nvPicPr>
+        <p:blipFill>
+          <a:blip r:embed="rId2"/>
+          <a:stretch>
+            <a:fillRect/>
+          </a:stretch>
+        </p:blipFill>
+        <p:spPr>
+          <a:xfrm>
+            <a:off x="1533129" y="759863"/>
+            <a:ext cx="9125741" cy="5338273"/>
+          </a:xfrm>
+          <a:prstGeom prst="rect">
+            <a:avLst/>
+          </a:prstGeom>
+        </p:spPr>
+      </p:pic>
+    </p:spTree>
+    <p:extLst>
+      <p:ext uri="{BB962C8B-B14F-4D97-AF65-F5344CB8AC3E}">
+        <p14:creationId xmlns:p14="http://schemas.microsoft.com/office/powerpoint/2010/main" val="3823158061"/>
+      </p:ext>
+    </p:extLst>
+  </p:cSld>
+  <p:clrMapOvr>
+    <a:masterClrMapping/>
+  </p:clrMapOvr>
+</p:sld>
+</file>
+
+<file path=ppt/slides/slide3.xml><?xml version="1.0" encoding="utf-8"?>
+<p:sld xmlns:a="http://schemas.openxmlformats.org/drawingml/2006/main" xmlns:r="http://schemas.openxmlformats.org/officeDocument/2006/relationships" xmlns:p="http://schemas.openxmlformats.org/presentationml/2006/main">
+  <p:cSld>
     <p:bg>
       <p:bgPr>
         <a:solidFill>
@@ -4539,7 +5424,7 @@
 </p:sld>
 </file>
 
-<file path=ppt/slides/slide3.xml><?xml version="1.0" encoding="utf-8"?>
+<file path=ppt/slides/slide4.xml><?xml version="1.0" encoding="utf-8"?>
 <p:sld xmlns:a="http://schemas.openxmlformats.org/drawingml/2006/main" xmlns:r="http://schemas.openxmlformats.org/officeDocument/2006/relationships" xmlns:p="http://schemas.openxmlformats.org/presentationml/2006/main">
   <p:cSld>
     <p:spTree>
@@ -4775,7 +5660,7 @@
 </p:sld>
 </file>
 
-<file path=ppt/slides/slide4.xml><?xml version="1.0" encoding="utf-8"?>
+<file path=ppt/slides/slide5.xml><?xml version="1.0" encoding="utf-8"?>
 <p:sld xmlns:a="http://schemas.openxmlformats.org/drawingml/2006/main" xmlns:r="http://schemas.openxmlformats.org/officeDocument/2006/relationships" xmlns:p="http://schemas.openxmlformats.org/presentationml/2006/main">
   <p:cSld>
     <p:spTree>
@@ -4927,7 +5812,7 @@
             </a:r>
             <a:r>
               <a:rPr lang="en-US" b="1" i="1" dirty="0"/>
-              <a:t>model binding</a:t>
+              <a:t>Model Binding</a:t>
             </a:r>
             <a:r>
               <a:rPr lang="en-US" dirty="0"/>
@@ -4947,22 +5832,22 @@
             </a:r>
             <a:r>
               <a:rPr lang="en-US" dirty="0"/>
-              <a:t> occurs for everything that's </a:t>
+              <a:t> occurs for everything that’s </a:t>
             </a:r>
             <a:r>
               <a:rPr lang="en-US" b="1" i="1" dirty="0"/>
-              <a:t>model-bound</a:t>
+              <a:t>Model-Bound</a:t>
             </a:r>
             <a:r>
               <a:rPr lang="en-US" dirty="0"/>
               <a:t>. The </a:t>
             </a:r>
             <a:r>
-              <a:rPr lang="en-US" u="sng" dirty="0" err="1"/>
+              <a:rPr lang="en-US" b="1" i="1" u="sng" dirty="0" err="1"/>
               <a:t>ModelState.IsValid</a:t>
             </a:r>
             <a:r>
-              <a:rPr lang="en-US" u="sng" dirty="0"/>
+              <a:rPr lang="en-US" b="1" i="1" u="sng" dirty="0"/>
               <a:t> </a:t>
             </a:r>
             <a:r>
@@ -4971,7 +5856,7 @@
             </a:r>
             <a:r>
               <a:rPr lang="en-US" b="1" i="1" dirty="0"/>
-              <a:t>model</a:t>
+              <a:t>Model</a:t>
             </a:r>
             <a:r>
               <a:rPr lang="en-US" dirty="0"/>
@@ -4979,7 +5864,7 @@
             </a:r>
             <a:r>
               <a:rPr lang="en-US" b="1" i="1" dirty="0"/>
-              <a:t>binding</a:t>
+              <a:t>Binding</a:t>
             </a:r>
             <a:r>
               <a:rPr lang="en-US" dirty="0"/>
@@ -5067,11 +5952,11 @@
             </a:r>
             <a:r>
               <a:rPr lang="en-US" b="1" i="1" dirty="0"/>
-              <a:t>&gt; (</a:t>
+              <a:t>&gt;</a:t>
             </a:r>
             <a:r>
               <a:rPr lang="en-US" dirty="0"/>
-              <a:t>for async methods).</a:t>
+              <a:t> (for async methods).</a:t>
             </a:r>
           </a:p>
         </p:txBody>
@@ -5124,7 +6009,7 @@
 </p:sld>
 </file>
 
-<file path=ppt/slides/slide5.xml><?xml version="1.0" encoding="utf-8"?>
+<file path=ppt/slides/slide6.xml><?xml version="1.0" encoding="utf-8"?>
 <p:sld xmlns:a="http://schemas.openxmlformats.org/drawingml/2006/main" xmlns:r="http://schemas.openxmlformats.org/officeDocument/2006/relationships" xmlns:p="http://schemas.openxmlformats.org/presentationml/2006/main">
   <p:cSld>
     <p:spTree>
@@ -5141,12 +6026,64 @@
           <a:chExt cx="0" cy="0"/>
         </a:xfrm>
       </p:grpSpPr>
+      <p:pic>
+        <p:nvPicPr>
+          <p:cNvPr id="1026" name="Picture 2">
+            <a:extLst>
+              <a:ext uri="{FF2B5EF4-FFF2-40B4-BE49-F238E27FC236}">
+                <a16:creationId xmlns:a16="http://schemas.microsoft.com/office/drawing/2014/main" id="{88D29BA6-8B97-4B25-BDEF-DF92CB70DED5}"/>
+              </a:ext>
+            </a:extLst>
+          </p:cNvPr>
+          <p:cNvPicPr>
+            <a:picLocks noChangeAspect="1" noChangeArrowheads="1"/>
+          </p:cNvPicPr>
+          <p:nvPr/>
+        </p:nvPicPr>
+        <p:blipFill>
+          <a:blip r:embed="rId2">
+            <a:extLst>
+              <a:ext uri="{28A0092B-C50C-407E-A947-70E740481C1C}">
+                <a14:useLocalDpi xmlns:a14="http://schemas.microsoft.com/office/drawing/2010/main" val="0"/>
+              </a:ext>
+            </a:extLst>
+          </a:blip>
+          <a:srcRect/>
+          <a:stretch>
+            <a:fillRect/>
+          </a:stretch>
+        </p:blipFill>
+        <p:spPr bwMode="auto">
+          <a:xfrm>
+            <a:off x="5425388" y="3787139"/>
+            <a:ext cx="6621470" cy="2809323"/>
+          </a:xfrm>
+          <a:prstGeom prst="rect">
+            <a:avLst/>
+          </a:prstGeom>
+          <a:noFill/>
+          <a:effectLst>
+            <a:glow rad="63500">
+              <a:schemeClr val="accent2"/>
+            </a:glow>
+          </a:effectLst>
+          <a:extLst>
+            <a:ext uri="{909E8E84-426E-40DD-AFC4-6F175D3DCCD1}">
+              <a14:hiddenFill xmlns:a14="http://schemas.microsoft.com/office/drawing/2010/main">
+                <a:solidFill>
+                  <a:srgbClr val="FFFFFF"/>
+                </a:solidFill>
+              </a14:hiddenFill>
+            </a:ext>
+          </a:extLst>
+        </p:spPr>
+      </p:pic>
       <p:sp>
         <p:nvSpPr>
           <p:cNvPr id="2" name="Title 1">
             <a:extLst>
               <a:ext uri="{FF2B5EF4-FFF2-40B4-BE49-F238E27FC236}">
-                <a16:creationId xmlns:a16="http://schemas.microsoft.com/office/drawing/2014/main" id="{259F62BE-584F-4306-B564-3AB2BFAEA06C}"/>
+                <a16:creationId xmlns:a16="http://schemas.microsoft.com/office/drawing/2014/main" id="{674C9FCB-8BC0-4F81-B139-C7C9E2598B0A}"/>
               </a:ext>
             </a:extLst>
           </p:cNvPr>
@@ -5160,13 +6097,534 @@
         <p:spPr/>
         <p:txBody>
           <a:bodyPr>
-            <a:normAutofit fontScale="90000"/>
+            <a:normAutofit/>
           </a:bodyPr>
           <a:lstStyle/>
           <a:p>
             <a:r>
               <a:rPr lang="en-US" dirty="0"/>
-              <a:t>Different Controller Helper Methods</a:t>
+              <a:t>Model Binding</a:t>
+            </a:r>
+            <a:br>
+              <a:rPr lang="en-US" dirty="0"/>
+            </a:br>
+            <a:r>
+              <a:rPr lang="en-US" sz="1400" dirty="0">
+                <a:hlinkClick r:id="rId3"/>
+              </a:rPr>
+              <a:t>https://docs.microsoft.com/en-us/aspnet/core/mvc/models/model-binding?view=aspnetcore-3.1</a:t>
+            </a:r>
+            <a:endParaRPr lang="en-US" sz="1400" dirty="0"/>
+          </a:p>
+        </p:txBody>
+      </p:sp>
+      <p:sp>
+        <p:nvSpPr>
+          <p:cNvPr id="3" name="Content Placeholder 2">
+            <a:extLst>
+              <a:ext uri="{FF2B5EF4-FFF2-40B4-BE49-F238E27FC236}">
+                <a16:creationId xmlns:a16="http://schemas.microsoft.com/office/drawing/2014/main" id="{7955E4DF-D5EF-4E1E-8454-910595FB7537}"/>
+              </a:ext>
+            </a:extLst>
+          </p:cNvPr>
+          <p:cNvSpPr>
+            <a:spLocks noGrp="1"/>
+          </p:cNvSpPr>
+          <p:nvPr>
+            <p:ph idx="1"/>
+          </p:nvPr>
+        </p:nvSpPr>
+        <p:spPr>
+          <a:xfrm>
+            <a:off x="1097280" y="1899559"/>
+            <a:ext cx="10058400" cy="2007264"/>
+          </a:xfrm>
+        </p:spPr>
+        <p:txBody>
+          <a:bodyPr>
+            <a:normAutofit fontScale="92500"/>
+          </a:bodyPr>
+          <a:lstStyle/>
+          <a:p>
+            <a:r>
+              <a:rPr lang="en-US" sz="2400" b="1" i="1" dirty="0"/>
+              <a:t>Controllers</a:t>
+            </a:r>
+            <a:r>
+              <a:rPr lang="en-US" sz="2400" dirty="0"/>
+              <a:t> and </a:t>
+            </a:r>
+            <a:r>
+              <a:rPr lang="en-US" sz="2400" b="1" i="1" dirty="0"/>
+              <a:t>Action Methods </a:t>
+            </a:r>
+            <a:r>
+              <a:rPr lang="en-US" sz="2400" dirty="0"/>
+              <a:t>work with data that comes from HTTP requests. (Ex. </a:t>
+            </a:r>
+            <a:r>
+              <a:rPr lang="en-US" sz="2400" b="1" i="1" dirty="0" err="1"/>
+              <a:t>POST</a:t>
+            </a:r>
+            <a:r>
+              <a:rPr lang="en-US" sz="2400" dirty="0" err="1"/>
+              <a:t>ed</a:t>
+            </a:r>
+            <a:r>
+              <a:rPr lang="en-US" sz="2400" dirty="0"/>
+              <a:t> form fields provide values for the properties of the model.) </a:t>
+            </a:r>
+          </a:p>
+          <a:p>
+            <a:r>
+              <a:rPr lang="en-US" sz="2400" dirty="0"/>
+              <a:t>Writing code to retrieve each of these values and convert them from strings to .NET </a:t>
+            </a:r>
+            <a:r>
+              <a:rPr lang="en-US" sz="2400" b="1" i="1" dirty="0"/>
+              <a:t>types</a:t>
+            </a:r>
+            <a:r>
+              <a:rPr lang="en-US" sz="2400" dirty="0"/>
+              <a:t> would be tedious and error-prone. </a:t>
+            </a:r>
+            <a:r>
+              <a:rPr lang="en-US" sz="2400" b="1" i="1" dirty="0"/>
+              <a:t>Model Binding </a:t>
+            </a:r>
+            <a:r>
+              <a:rPr lang="en-US" sz="2400" u="sng" dirty="0"/>
+              <a:t>automates</a:t>
+            </a:r>
+            <a:r>
+              <a:rPr lang="en-US" sz="2400" dirty="0"/>
+              <a:t> this process. </a:t>
+            </a:r>
+          </a:p>
+        </p:txBody>
+      </p:sp>
+      <p:sp>
+        <p:nvSpPr>
+          <p:cNvPr id="4" name="Rectangle 3">
+            <a:extLst>
+              <a:ext uri="{FF2B5EF4-FFF2-40B4-BE49-F238E27FC236}">
+                <a16:creationId xmlns:a16="http://schemas.microsoft.com/office/drawing/2014/main" id="{96859251-2ADC-47D6-A2DF-FA5657D50EA2}"/>
+              </a:ext>
+            </a:extLst>
+          </p:cNvPr>
+          <p:cNvSpPr/>
+          <p:nvPr/>
+        </p:nvSpPr>
+        <p:spPr>
+          <a:xfrm>
+            <a:off x="145143" y="3605802"/>
+            <a:ext cx="5280246" cy="2616101"/>
+          </a:xfrm>
+          <a:prstGeom prst="rect">
+            <a:avLst/>
+          </a:prstGeom>
+        </p:spPr>
+        <p:txBody>
+          <a:bodyPr wrap="square" anchor="ctr">
+            <a:spAutoFit/>
+          </a:bodyPr>
+          <a:lstStyle/>
+          <a:p>
+            <a:r>
+              <a:rPr lang="en-US" sz="2400" dirty="0"/>
+              <a:t>The </a:t>
+            </a:r>
+            <a:r>
+              <a:rPr lang="en-US" sz="2400" b="1" i="1" dirty="0"/>
+              <a:t>Model Binding </a:t>
+            </a:r>
+            <a:r>
+              <a:rPr lang="en-US" sz="2400" dirty="0"/>
+              <a:t>system:</a:t>
+            </a:r>
+          </a:p>
+          <a:p>
+            <a:pPr lvl="1">
+              <a:buFont typeface="Arial" panose="020B0604020202020204" pitchFamily="34" charset="0"/>
+              <a:buChar char="•"/>
+            </a:pPr>
+            <a:r>
+              <a:rPr lang="en-US" sz="2000" dirty="0"/>
+              <a:t>Retrieves data from various sources such as </a:t>
+            </a:r>
+            <a:r>
+              <a:rPr lang="en-US" sz="2000" b="1" i="1" dirty="0"/>
+              <a:t>route data</a:t>
+            </a:r>
+            <a:r>
+              <a:rPr lang="en-US" sz="2000" dirty="0"/>
+              <a:t>, </a:t>
+            </a:r>
+            <a:r>
+              <a:rPr lang="en-US" sz="2000" b="1" i="1" dirty="0"/>
+              <a:t>form fields</a:t>
+            </a:r>
+            <a:r>
+              <a:rPr lang="en-US" sz="2000" dirty="0"/>
+              <a:t>, and </a:t>
+            </a:r>
+            <a:r>
+              <a:rPr lang="en-US" sz="2000" b="1" i="1" dirty="0"/>
+              <a:t>query strings</a:t>
+            </a:r>
+            <a:r>
+              <a:rPr lang="en-US" sz="2000" dirty="0"/>
+              <a:t>.</a:t>
+            </a:r>
+          </a:p>
+          <a:p>
+            <a:pPr lvl="1">
+              <a:buFont typeface="Arial" panose="020B0604020202020204" pitchFamily="34" charset="0"/>
+              <a:buChar char="•"/>
+            </a:pPr>
+            <a:r>
+              <a:rPr lang="en-US" sz="2000" dirty="0"/>
+              <a:t>Provides the data to </a:t>
+            </a:r>
+            <a:r>
+              <a:rPr lang="en-US" sz="2000" b="1" i="1" dirty="0"/>
+              <a:t>controllers</a:t>
+            </a:r>
+            <a:r>
+              <a:rPr lang="en-US" sz="2000" dirty="0"/>
+              <a:t> in </a:t>
+            </a:r>
+            <a:r>
+              <a:rPr lang="en-US" sz="2000" b="1" i="1" dirty="0"/>
+              <a:t>Action Method </a:t>
+            </a:r>
+            <a:r>
+              <a:rPr lang="en-US" sz="2000" dirty="0"/>
+              <a:t>parameters and public properties.</a:t>
+            </a:r>
+          </a:p>
+          <a:p>
+            <a:pPr lvl="1">
+              <a:buFont typeface="Arial" panose="020B0604020202020204" pitchFamily="34" charset="0"/>
+              <a:buChar char="•"/>
+            </a:pPr>
+            <a:r>
+              <a:rPr lang="en-US" sz="2000" dirty="0"/>
+              <a:t>Converts string data to .NET types.</a:t>
+            </a:r>
+          </a:p>
+          <a:p>
+            <a:pPr lvl="1">
+              <a:buFont typeface="Arial" panose="020B0604020202020204" pitchFamily="34" charset="0"/>
+              <a:buChar char="•"/>
+            </a:pPr>
+            <a:r>
+              <a:rPr lang="en-US" sz="2000" dirty="0"/>
+              <a:t>Updates properties of complex types.</a:t>
+            </a:r>
+          </a:p>
+        </p:txBody>
+      </p:sp>
+    </p:spTree>
+    <p:extLst>
+      <p:ext uri="{BB962C8B-B14F-4D97-AF65-F5344CB8AC3E}">
+        <p14:creationId xmlns:p14="http://schemas.microsoft.com/office/powerpoint/2010/main" val="1178953469"/>
+      </p:ext>
+    </p:extLst>
+  </p:cSld>
+  <p:clrMapOvr>
+    <a:masterClrMapping/>
+  </p:clrMapOvr>
+</p:sld>
+</file>
+
+<file path=ppt/slides/slide7.xml><?xml version="1.0" encoding="utf-8"?>
+<p:sld xmlns:a="http://schemas.openxmlformats.org/drawingml/2006/main" xmlns:r="http://schemas.openxmlformats.org/officeDocument/2006/relationships" xmlns:p="http://schemas.openxmlformats.org/presentationml/2006/main">
+  <p:cSld>
+    <p:spTree>
+      <p:nvGrpSpPr>
+        <p:cNvPr id="1" name=""/>
+        <p:cNvGrpSpPr/>
+        <p:nvPr/>
+      </p:nvGrpSpPr>
+      <p:grpSpPr>
+        <a:xfrm>
+          <a:off x="0" y="0"/>
+          <a:ext cx="0" cy="0"/>
+          <a:chOff x="0" y="0"/>
+          <a:chExt cx="0" cy="0"/>
+        </a:xfrm>
+      </p:grpSpPr>
+      <p:sp>
+        <p:nvSpPr>
+          <p:cNvPr id="2" name="Title 1">
+            <a:extLst>
+              <a:ext uri="{FF2B5EF4-FFF2-40B4-BE49-F238E27FC236}">
+                <a16:creationId xmlns:a16="http://schemas.microsoft.com/office/drawing/2014/main" id="{674C9FCB-8BC0-4F81-B139-C7C9E2598B0A}"/>
+              </a:ext>
+            </a:extLst>
+          </p:cNvPr>
+          <p:cNvSpPr>
+            <a:spLocks noGrp="1"/>
+          </p:cNvSpPr>
+          <p:nvPr>
+            <p:ph type="title"/>
+          </p:nvPr>
+        </p:nvSpPr>
+        <p:spPr/>
+        <p:txBody>
+          <a:bodyPr>
+            <a:normAutofit/>
+          </a:bodyPr>
+          <a:lstStyle/>
+          <a:p>
+            <a:r>
+              <a:rPr lang="en-US" dirty="0"/>
+              <a:t>Model Binding</a:t>
+            </a:r>
+            <a:br>
+              <a:rPr lang="en-US" dirty="0"/>
+            </a:br>
+            <a:r>
+              <a:rPr lang="en-US" sz="1400" dirty="0">
+                <a:hlinkClick r:id="rId2"/>
+              </a:rPr>
+              <a:t>https://docs.microsoft.com/en-us/aspnet/core/mvc/models/model-binding?view=aspnetcore-3.1</a:t>
+            </a:r>
+            <a:endParaRPr lang="en-US" sz="1400" dirty="0"/>
+          </a:p>
+        </p:txBody>
+      </p:sp>
+      <p:sp>
+        <p:nvSpPr>
+          <p:cNvPr id="6" name="Content Placeholder 5">
+            <a:extLst>
+              <a:ext uri="{FF2B5EF4-FFF2-40B4-BE49-F238E27FC236}">
+                <a16:creationId xmlns:a16="http://schemas.microsoft.com/office/drawing/2014/main" id="{E8E98A86-940B-4C6D-B0F3-65312E262075}"/>
+              </a:ext>
+            </a:extLst>
+          </p:cNvPr>
+          <p:cNvSpPr>
+            <a:spLocks noGrp="1"/>
+          </p:cNvSpPr>
+          <p:nvPr>
+            <p:ph idx="1"/>
+          </p:nvPr>
+        </p:nvSpPr>
+        <p:spPr>
+          <a:xfrm>
+            <a:off x="371565" y="1871135"/>
+            <a:ext cx="4998720" cy="4529665"/>
+          </a:xfrm>
+        </p:spPr>
+        <p:txBody>
+          <a:bodyPr anchor="ctr">
+            <a:normAutofit/>
+          </a:bodyPr>
+          <a:lstStyle/>
+          <a:p>
+            <a:r>
+              <a:rPr lang="en-US" sz="2000" b="1" i="1" dirty="0"/>
+              <a:t>Model Binding </a:t>
+            </a:r>
+            <a:r>
+              <a:rPr lang="en-US" sz="2000" dirty="0"/>
+              <a:t>goes through the following steps after the routing system selects the action method:</a:t>
+            </a:r>
+          </a:p>
+          <a:p>
+            <a:pPr marL="544068" lvl="1" indent="-342900">
+              <a:buFont typeface="+mj-lt"/>
+              <a:buAutoNum type="arabicPeriod"/>
+            </a:pPr>
+            <a:r>
+              <a:rPr lang="en-US" sz="1800" dirty="0"/>
+              <a:t>Finds the first parameter of </a:t>
+            </a:r>
+            <a:r>
+              <a:rPr lang="en-US" sz="1800" dirty="0" err="1"/>
+              <a:t>GetByID</a:t>
+            </a:r>
+            <a:r>
+              <a:rPr lang="en-US" sz="1800" dirty="0"/>
+              <a:t> (id).</a:t>
+            </a:r>
+          </a:p>
+          <a:p>
+            <a:pPr marL="544068" lvl="1" indent="-342900">
+              <a:buFont typeface="+mj-lt"/>
+              <a:buAutoNum type="arabicPeriod"/>
+            </a:pPr>
+            <a:r>
+              <a:rPr lang="en-US" sz="1800" dirty="0"/>
+              <a:t>Looks through the HTTP request and finds id = "2" in route data.</a:t>
+            </a:r>
+          </a:p>
+          <a:p>
+            <a:pPr marL="544068" lvl="1" indent="-342900">
+              <a:buFont typeface="+mj-lt"/>
+              <a:buAutoNum type="arabicPeriod"/>
+            </a:pPr>
+            <a:r>
+              <a:rPr lang="en-US" sz="1800" dirty="0"/>
+              <a:t>Converts the string "2" into integer 2.</a:t>
+            </a:r>
+          </a:p>
+          <a:p>
+            <a:pPr marL="544068" lvl="1" indent="-342900">
+              <a:buFont typeface="+mj-lt"/>
+              <a:buAutoNum type="arabicPeriod"/>
+            </a:pPr>
+            <a:r>
+              <a:rPr lang="en-US" sz="1800" dirty="0"/>
+              <a:t>Finds the next parameter of </a:t>
+            </a:r>
+            <a:r>
+              <a:rPr lang="en-US" sz="1800" dirty="0" err="1"/>
+              <a:t>GetByID</a:t>
+            </a:r>
+            <a:r>
+              <a:rPr lang="en-US" sz="1800" dirty="0"/>
+              <a:t> (</a:t>
+            </a:r>
+            <a:r>
+              <a:rPr lang="en-US" sz="1800" dirty="0" err="1"/>
+              <a:t>dogsOnly</a:t>
+            </a:r>
+            <a:r>
+              <a:rPr lang="en-US" sz="1800" dirty="0"/>
+              <a:t>).</a:t>
+            </a:r>
+          </a:p>
+          <a:p>
+            <a:pPr marL="544068" lvl="1" indent="-342900">
+              <a:buFont typeface="+mj-lt"/>
+              <a:buAutoNum type="arabicPeriod"/>
+            </a:pPr>
+            <a:r>
+              <a:rPr lang="en-US" sz="1800" dirty="0"/>
+              <a:t>Finds "</a:t>
+            </a:r>
+            <a:r>
+              <a:rPr lang="en-US" sz="1800" dirty="0" err="1"/>
+              <a:t>DogsOnly</a:t>
+            </a:r>
+            <a:r>
+              <a:rPr lang="en-US" sz="1800" dirty="0"/>
+              <a:t>=true" in the query string. Name matching is not case-sensitive.</a:t>
+            </a:r>
+          </a:p>
+          <a:p>
+            <a:pPr marL="544068" lvl="1" indent="-342900">
+              <a:buFont typeface="+mj-lt"/>
+              <a:buAutoNum type="arabicPeriod"/>
+            </a:pPr>
+            <a:r>
+              <a:rPr lang="en-US" sz="1800" dirty="0"/>
+              <a:t>Converts the string "true" to a </a:t>
+            </a:r>
+            <a:r>
+              <a:rPr lang="en-US" sz="1800" dirty="0" err="1"/>
+              <a:t>boolean</a:t>
+            </a:r>
+            <a:r>
+              <a:rPr lang="en-US" sz="1800" dirty="0"/>
+              <a:t> true.</a:t>
+            </a:r>
+          </a:p>
+        </p:txBody>
+      </p:sp>
+      <p:pic>
+        <p:nvPicPr>
+          <p:cNvPr id="7" name="Picture 6">
+            <a:extLst>
+              <a:ext uri="{FF2B5EF4-FFF2-40B4-BE49-F238E27FC236}">
+                <a16:creationId xmlns:a16="http://schemas.microsoft.com/office/drawing/2014/main" id="{E8B2847E-5C95-4B82-8729-3399A83933C5}"/>
+              </a:ext>
+            </a:extLst>
+          </p:cNvPr>
+          <p:cNvPicPr>
+            <a:picLocks noChangeAspect="1"/>
+          </p:cNvPicPr>
+          <p:nvPr/>
+        </p:nvPicPr>
+        <p:blipFill>
+          <a:blip r:embed="rId3"/>
+          <a:stretch>
+            <a:fillRect/>
+          </a:stretch>
+        </p:blipFill>
+        <p:spPr>
+          <a:xfrm>
+            <a:off x="5492206" y="2224772"/>
+            <a:ext cx="6328229" cy="3849757"/>
+          </a:xfrm>
+          <a:prstGeom prst="rect">
+            <a:avLst/>
+          </a:prstGeom>
+          <a:effectLst>
+            <a:glow rad="63500">
+              <a:schemeClr val="accent2"/>
+            </a:glow>
+          </a:effectLst>
+        </p:spPr>
+      </p:pic>
+    </p:spTree>
+    <p:extLst>
+      <p:ext uri="{BB962C8B-B14F-4D97-AF65-F5344CB8AC3E}">
+        <p14:creationId xmlns:p14="http://schemas.microsoft.com/office/powerpoint/2010/main" val="1253229181"/>
+      </p:ext>
+    </p:extLst>
+  </p:cSld>
+  <p:clrMapOvr>
+    <a:masterClrMapping/>
+  </p:clrMapOvr>
+</p:sld>
+</file>
+
+<file path=ppt/slides/slide8.xml><?xml version="1.0" encoding="utf-8"?>
+<p:sld xmlns:a="http://schemas.openxmlformats.org/drawingml/2006/main" xmlns:r="http://schemas.openxmlformats.org/officeDocument/2006/relationships" xmlns:p="http://schemas.openxmlformats.org/presentationml/2006/main">
+  <p:cSld>
+    <p:spTree>
+      <p:nvGrpSpPr>
+        <p:cNvPr id="1" name=""/>
+        <p:cNvGrpSpPr/>
+        <p:nvPr/>
+      </p:nvGrpSpPr>
+      <p:grpSpPr>
+        <a:xfrm>
+          <a:off x="0" y="0"/>
+          <a:ext cx="0" cy="0"/>
+          <a:chOff x="0" y="0"/>
+          <a:chExt cx="0" cy="0"/>
+        </a:xfrm>
+      </p:grpSpPr>
+      <p:sp>
+        <p:nvSpPr>
+          <p:cNvPr id="2" name="Title 1">
+            <a:extLst>
+              <a:ext uri="{FF2B5EF4-FFF2-40B4-BE49-F238E27FC236}">
+                <a16:creationId xmlns:a16="http://schemas.microsoft.com/office/drawing/2014/main" id="{259F62BE-584F-4306-B564-3AB2BFAEA06C}"/>
+              </a:ext>
+            </a:extLst>
+          </p:cNvPr>
+          <p:cNvSpPr>
+            <a:spLocks noGrp="1"/>
+          </p:cNvSpPr>
+          <p:nvPr>
+            <p:ph type="title"/>
+          </p:nvPr>
+        </p:nvSpPr>
+        <p:spPr/>
+        <p:txBody>
+          <a:bodyPr>
+            <a:normAutofit/>
+          </a:bodyPr>
+          <a:lstStyle/>
+          <a:p>
+            <a:r>
+              <a:rPr lang="en-US" sz="3600" dirty="0"/>
+              <a:t>Different Controller Helper (Action) Methods</a:t>
             </a:r>
             <a:br>
               <a:rPr lang="en-US" dirty="0"/>
@@ -5737,7 +7195,7 @@
 </p:sld>
 </file>
 
-<file path=ppt/slides/slide6.xml><?xml version="1.0" encoding="utf-8"?>
+<file path=ppt/slides/slide9.xml><?xml version="1.0" encoding="utf-8"?>
 <p:sld xmlns:a="http://schemas.openxmlformats.org/drawingml/2006/main" xmlns:r="http://schemas.openxmlformats.org/officeDocument/2006/relationships" xmlns:p="http://schemas.openxmlformats.org/presentationml/2006/main">
   <p:cSld>
     <p:spTree>
@@ -5906,778 +7364,6 @@
     <p:extLst>
       <p:ext uri="{BB962C8B-B14F-4D97-AF65-F5344CB8AC3E}">
         <p14:creationId xmlns:p14="http://schemas.microsoft.com/office/powerpoint/2010/main" val="3411825729"/>
-      </p:ext>
-    </p:extLst>
-  </p:cSld>
-  <p:clrMapOvr>
-    <a:masterClrMapping/>
-  </p:clrMapOvr>
-</p:sld>
-</file>
-
-<file path=ppt/slides/slide7.xml><?xml version="1.0" encoding="utf-8"?>
-<p:sld xmlns:a="http://schemas.openxmlformats.org/drawingml/2006/main" xmlns:r="http://schemas.openxmlformats.org/officeDocument/2006/relationships" xmlns:p="http://schemas.openxmlformats.org/presentationml/2006/main">
-  <p:cSld>
-    <p:spTree>
-      <p:nvGrpSpPr>
-        <p:cNvPr id="1" name=""/>
-        <p:cNvGrpSpPr/>
-        <p:nvPr/>
-      </p:nvGrpSpPr>
-      <p:grpSpPr>
-        <a:xfrm>
-          <a:off x="0" y="0"/>
-          <a:ext cx="0" cy="0"/>
-          <a:chOff x="0" y="0"/>
-          <a:chExt cx="0" cy="0"/>
-        </a:xfrm>
-      </p:grpSpPr>
-      <p:sp>
-        <p:nvSpPr>
-          <p:cNvPr id="2" name="Title 1">
-            <a:extLst>
-              <a:ext uri="{FF2B5EF4-FFF2-40B4-BE49-F238E27FC236}">
-                <a16:creationId xmlns:a16="http://schemas.microsoft.com/office/drawing/2014/main" id="{E7C2FFBC-6CE0-4D13-A655-56A0FB2FC3B2}"/>
-              </a:ext>
-            </a:extLst>
-          </p:cNvPr>
-          <p:cNvSpPr>
-            <a:spLocks noGrp="1"/>
-          </p:cNvSpPr>
-          <p:nvPr>
-            <p:ph type="title"/>
-          </p:nvPr>
-        </p:nvSpPr>
-        <p:spPr/>
-        <p:txBody>
-          <a:bodyPr>
-            <a:normAutofit fontScale="90000"/>
-          </a:bodyPr>
-          <a:lstStyle/>
-          <a:p>
-            <a:r>
-              <a:rPr lang="en-US" dirty="0"/>
-              <a:t>Conventional Routing</a:t>
-            </a:r>
-            <a:br>
-              <a:rPr lang="en-US" dirty="0"/>
-            </a:br>
-            <a:r>
-              <a:rPr lang="en-US" sz="1400" dirty="0">
-                <a:hlinkClick r:id="rId2"/>
-              </a:rPr>
-              <a:t>https://docs.microsoft.com/en-us/aspnet/core/mvc/controllers/routing?view=aspnetcore-3.1#set-up-conventional-route</a:t>
-            </a:r>
-            <a:br>
-              <a:rPr lang="en-US" sz="1400" dirty="0"/>
-            </a:br>
-            <a:r>
-              <a:rPr lang="en-US" sz="1400" dirty="0">
-                <a:hlinkClick r:id="rId3"/>
-              </a:rPr>
-              <a:t>https://docs.microsoft.com/en-us/aspnet/core/mvc/controllers/routing?view=aspnetcore-3.1#multiple-conventional-routes</a:t>
-            </a:r>
-            <a:endParaRPr lang="en-US" dirty="0"/>
-          </a:p>
-        </p:txBody>
-      </p:sp>
-      <p:sp>
-        <p:nvSpPr>
-          <p:cNvPr id="3" name="Content Placeholder 2">
-            <a:extLst>
-              <a:ext uri="{FF2B5EF4-FFF2-40B4-BE49-F238E27FC236}">
-                <a16:creationId xmlns:a16="http://schemas.microsoft.com/office/drawing/2014/main" id="{E02825AE-D057-4E36-BEAE-44C66FE0C8CD}"/>
-              </a:ext>
-            </a:extLst>
-          </p:cNvPr>
-          <p:cNvSpPr>
-            <a:spLocks noGrp="1"/>
-          </p:cNvSpPr>
-          <p:nvPr>
-            <p:ph idx="1"/>
-          </p:nvPr>
-        </p:nvSpPr>
-        <p:spPr>
-          <a:xfrm>
-            <a:off x="304801" y="1905103"/>
-            <a:ext cx="4403677" cy="4495698"/>
-          </a:xfrm>
-        </p:spPr>
-        <p:txBody>
-          <a:bodyPr>
-            <a:normAutofit fontScale="92500" lnSpcReduction="10000"/>
-          </a:bodyPr>
-          <a:lstStyle/>
-          <a:p>
-            <a:r>
-              <a:rPr lang="en-US" sz="2400" dirty="0"/>
-              <a:t>The route template (in </a:t>
-            </a:r>
-            <a:r>
-              <a:rPr lang="en-US" sz="2400" dirty="0" err="1"/>
-              <a:t>Startup.cs</a:t>
-            </a:r>
-            <a:r>
-              <a:rPr lang="en-US" sz="2400" dirty="0"/>
-              <a:t>) "</a:t>
-            </a:r>
-            <a:r>
-              <a:rPr lang="en-US" sz="2400" u="sng" dirty="0"/>
-              <a:t>{controller=Home}/{action=Index}/{id?}</a:t>
-            </a:r>
-            <a:r>
-              <a:rPr lang="en-US" sz="2400" dirty="0"/>
-              <a:t>“ matches a URL path like </a:t>
-            </a:r>
-            <a:r>
-              <a:rPr lang="en-US" sz="2400" u="sng" dirty="0"/>
-              <a:t>/Products/Details/5.</a:t>
-            </a:r>
-          </a:p>
-          <a:p>
-            <a:r>
-              <a:rPr lang="en-US" sz="2400" dirty="0"/>
-              <a:t>The route template extracts (</a:t>
-            </a:r>
-            <a:r>
-              <a:rPr lang="en-US" sz="2400" b="1" i="1" dirty="0"/>
-              <a:t>tokenizes</a:t>
-            </a:r>
-            <a:r>
-              <a:rPr lang="en-US" sz="2400" dirty="0"/>
-              <a:t>) the route values { </a:t>
-            </a:r>
-            <a:r>
-              <a:rPr lang="en-US" sz="2400" u="sng" dirty="0"/>
-              <a:t>controller = Products, action = Details, id = 5</a:t>
-            </a:r>
-            <a:r>
-              <a:rPr lang="en-US" sz="2400" dirty="0"/>
-              <a:t> } which results in a match if the app has a </a:t>
-            </a:r>
-            <a:r>
-              <a:rPr lang="en-US" sz="2400" b="1" i="1" dirty="0"/>
-              <a:t>controller</a:t>
-            </a:r>
-            <a:r>
-              <a:rPr lang="en-US" sz="2400" dirty="0"/>
-              <a:t> named </a:t>
-            </a:r>
-            <a:r>
-              <a:rPr lang="en-US" sz="2400" u="sng" dirty="0" err="1"/>
-              <a:t>ProductsController</a:t>
-            </a:r>
-            <a:r>
-              <a:rPr lang="en-US" sz="2400" dirty="0"/>
-              <a:t> and a </a:t>
-            </a:r>
-            <a:r>
-              <a:rPr lang="en-US" sz="2400" u="sng" dirty="0"/>
-              <a:t>Details</a:t>
-            </a:r>
-            <a:r>
-              <a:rPr lang="en-US" sz="2400" dirty="0"/>
-              <a:t> </a:t>
-            </a:r>
-            <a:r>
-              <a:rPr lang="en-US" sz="2400" b="1" i="1" dirty="0"/>
-              <a:t>action.</a:t>
-            </a:r>
-            <a:r>
-              <a:rPr lang="en-US" sz="2400" dirty="0"/>
-              <a:t> The </a:t>
-            </a:r>
-            <a:r>
-              <a:rPr lang="en-US" sz="2400" b="1" i="1" dirty="0"/>
-              <a:t>id</a:t>
-            </a:r>
-            <a:r>
-              <a:rPr lang="en-US" sz="2400" dirty="0"/>
-              <a:t> value is optional due to the </a:t>
-            </a:r>
-            <a:r>
-              <a:rPr lang="en-US" sz="2400" b="1" i="1" dirty="0"/>
-              <a:t>?</a:t>
-            </a:r>
-            <a:r>
-              <a:rPr lang="en-US" sz="2400" dirty="0"/>
-              <a:t>.</a:t>
-            </a:r>
-          </a:p>
-        </p:txBody>
-      </p:sp>
-      <p:pic>
-        <p:nvPicPr>
-          <p:cNvPr id="4" name="Picture 3">
-            <a:extLst>
-              <a:ext uri="{FF2B5EF4-FFF2-40B4-BE49-F238E27FC236}">
-                <a16:creationId xmlns:a16="http://schemas.microsoft.com/office/drawing/2014/main" id="{00718CB3-C6AD-4AD0-9827-039EEE5D418D}"/>
-              </a:ext>
-            </a:extLst>
-          </p:cNvPr>
-          <p:cNvPicPr>
-            <a:picLocks noChangeAspect="1"/>
-          </p:cNvPicPr>
-          <p:nvPr/>
-        </p:nvPicPr>
-        <p:blipFill>
-          <a:blip r:embed="rId4"/>
-          <a:stretch>
-            <a:fillRect/>
-          </a:stretch>
-        </p:blipFill>
-        <p:spPr>
-          <a:xfrm>
-            <a:off x="4836764" y="2236338"/>
-            <a:ext cx="7050435" cy="1836164"/>
-          </a:xfrm>
-          <a:prstGeom prst="rect">
-            <a:avLst/>
-          </a:prstGeom>
-          <a:effectLst>
-            <a:glow rad="50800">
-              <a:schemeClr val="accent2"/>
-            </a:glow>
-          </a:effectLst>
-        </p:spPr>
-      </p:pic>
-      <p:pic>
-        <p:nvPicPr>
-          <p:cNvPr id="5" name="Picture 4">
-            <a:extLst>
-              <a:ext uri="{FF2B5EF4-FFF2-40B4-BE49-F238E27FC236}">
-                <a16:creationId xmlns:a16="http://schemas.microsoft.com/office/drawing/2014/main" id="{77F0B928-7543-42E2-823D-77F750DBE220}"/>
-              </a:ext>
-            </a:extLst>
-          </p:cNvPr>
-          <p:cNvPicPr>
-            <a:picLocks noChangeAspect="1"/>
-          </p:cNvPicPr>
-          <p:nvPr/>
-        </p:nvPicPr>
-        <p:blipFill>
-          <a:blip r:embed="rId5"/>
-          <a:stretch>
-            <a:fillRect/>
-          </a:stretch>
-        </p:blipFill>
-        <p:spPr>
-          <a:xfrm>
-            <a:off x="4836764" y="4224819"/>
-            <a:ext cx="7050434" cy="1911393"/>
-          </a:xfrm>
-          <a:prstGeom prst="rect">
-            <a:avLst/>
-          </a:prstGeom>
-          <a:effectLst>
-            <a:glow rad="50800">
-              <a:schemeClr val="accent2"/>
-            </a:glow>
-          </a:effectLst>
-        </p:spPr>
-      </p:pic>
-    </p:spTree>
-    <p:extLst>
-      <p:ext uri="{BB962C8B-B14F-4D97-AF65-F5344CB8AC3E}">
-        <p14:creationId xmlns:p14="http://schemas.microsoft.com/office/powerpoint/2010/main" val="2628654874"/>
-      </p:ext>
-    </p:extLst>
-  </p:cSld>
-  <p:clrMapOvr>
-    <a:masterClrMapping/>
-  </p:clrMapOvr>
-</p:sld>
-</file>
-
-<file path=ppt/slides/slide8.xml><?xml version="1.0" encoding="utf-8"?>
-<p:sld xmlns:a="http://schemas.openxmlformats.org/drawingml/2006/main" xmlns:r="http://schemas.openxmlformats.org/officeDocument/2006/relationships" xmlns:p="http://schemas.openxmlformats.org/presentationml/2006/main">
-  <p:cSld>
-    <p:spTree>
-      <p:nvGrpSpPr>
-        <p:cNvPr id="1" name=""/>
-        <p:cNvGrpSpPr/>
-        <p:nvPr/>
-      </p:nvGrpSpPr>
-      <p:grpSpPr>
-        <a:xfrm>
-          <a:off x="0" y="0"/>
-          <a:ext cx="0" cy="0"/>
-          <a:chOff x="0" y="0"/>
-          <a:chExt cx="0" cy="0"/>
-        </a:xfrm>
-      </p:grpSpPr>
-      <p:sp>
-        <p:nvSpPr>
-          <p:cNvPr id="2" name="Title 1">
-            <a:extLst>
-              <a:ext uri="{FF2B5EF4-FFF2-40B4-BE49-F238E27FC236}">
-                <a16:creationId xmlns:a16="http://schemas.microsoft.com/office/drawing/2014/main" id="{C171FFDA-DC4E-4547-9BF2-ABA6D7A256C7}"/>
-              </a:ext>
-            </a:extLst>
-          </p:cNvPr>
-          <p:cNvSpPr>
-            <a:spLocks noGrp="1"/>
-          </p:cNvSpPr>
-          <p:nvPr>
-            <p:ph type="title"/>
-          </p:nvPr>
-        </p:nvSpPr>
-        <p:spPr/>
-        <p:txBody>
-          <a:bodyPr>
-            <a:normAutofit/>
-          </a:bodyPr>
-          <a:lstStyle/>
-          <a:p>
-            <a:r>
-              <a:rPr lang="en-US" dirty="0"/>
-              <a:t>Attribute Routing – REST API’s</a:t>
-            </a:r>
-            <a:br>
-              <a:rPr lang="en-US" dirty="0"/>
-            </a:br>
-            <a:r>
-              <a:rPr lang="en-US" sz="1200" dirty="0">
-                <a:hlinkClick r:id="rId2"/>
-              </a:rPr>
-              <a:t>https://docs.microsoft.com/en-us/aspnet/core/mvc/controllers/routing?view=aspnetcore-3.1#attribute-routing-for-rest-apis</a:t>
-            </a:r>
-            <a:endParaRPr lang="en-US" sz="1200" dirty="0"/>
-          </a:p>
-        </p:txBody>
-      </p:sp>
-      <p:sp>
-        <p:nvSpPr>
-          <p:cNvPr id="3" name="Content Placeholder 2">
-            <a:extLst>
-              <a:ext uri="{FF2B5EF4-FFF2-40B4-BE49-F238E27FC236}">
-                <a16:creationId xmlns:a16="http://schemas.microsoft.com/office/drawing/2014/main" id="{636D022F-B0E8-463F-ADCC-9FFE259CFDFF}"/>
-              </a:ext>
-            </a:extLst>
-          </p:cNvPr>
-          <p:cNvSpPr>
-            <a:spLocks noGrp="1"/>
-          </p:cNvSpPr>
-          <p:nvPr>
-            <p:ph idx="1"/>
-          </p:nvPr>
-        </p:nvSpPr>
-        <p:spPr>
-          <a:xfrm>
-            <a:off x="1097280" y="1922781"/>
-            <a:ext cx="10058400" cy="2145022"/>
-          </a:xfrm>
-        </p:spPr>
-        <p:txBody>
-          <a:bodyPr>
-            <a:normAutofit/>
-          </a:bodyPr>
-          <a:lstStyle/>
-          <a:p>
-            <a:r>
-              <a:rPr lang="en-US" sz="2000" b="1" i="1" dirty="0"/>
-              <a:t>REST APIs </a:t>
-            </a:r>
-            <a:r>
-              <a:rPr lang="en-US" sz="2000" dirty="0"/>
-              <a:t>should use </a:t>
-            </a:r>
-            <a:r>
-              <a:rPr lang="en-US" sz="2000" b="1" i="1" dirty="0"/>
-              <a:t>attribute routing </a:t>
-            </a:r>
-            <a:r>
-              <a:rPr lang="en-US" sz="2000" dirty="0"/>
-              <a:t>to model the app's functionality as a set of resources where operations are represented by </a:t>
-            </a:r>
-            <a:r>
-              <a:rPr lang="en-US" sz="2000" b="1" i="1" dirty="0"/>
-              <a:t>HTTP verbs</a:t>
-            </a:r>
-            <a:r>
-              <a:rPr lang="en-US" sz="2000" dirty="0"/>
-              <a:t>.</a:t>
-            </a:r>
-          </a:p>
-          <a:p>
-            <a:r>
-              <a:rPr lang="en-US" sz="2000" b="1" i="1" dirty="0"/>
-              <a:t>Attribute routing </a:t>
-            </a:r>
-            <a:r>
-              <a:rPr lang="en-US" sz="2000" dirty="0"/>
-              <a:t>uses sets of </a:t>
-            </a:r>
-            <a:r>
-              <a:rPr lang="en-US" sz="2000" b="1" i="1" dirty="0"/>
-              <a:t>attributes</a:t>
-            </a:r>
-            <a:r>
-              <a:rPr lang="en-US" sz="2000" dirty="0"/>
-              <a:t> on each </a:t>
-            </a:r>
-            <a:r>
-              <a:rPr lang="en-US" sz="2000" b="1" i="1" dirty="0"/>
-              <a:t>controller action </a:t>
-            </a:r>
-            <a:r>
-              <a:rPr lang="en-US" sz="2000" dirty="0"/>
-              <a:t>to map </a:t>
-            </a:r>
-            <a:r>
-              <a:rPr lang="en-US" sz="2000" b="1" i="1" dirty="0"/>
-              <a:t>actions</a:t>
-            </a:r>
-            <a:r>
-              <a:rPr lang="en-US" sz="2000" dirty="0"/>
-              <a:t> directly to route templates. The following </a:t>
-            </a:r>
-            <a:r>
-              <a:rPr lang="en-US" sz="2000" b="1" i="1" dirty="0" err="1"/>
-              <a:t>StartUp.Configure</a:t>
-            </a:r>
-            <a:r>
-              <a:rPr lang="en-US" sz="2000" b="1" i="1" dirty="0"/>
-              <a:t> </a:t>
-            </a:r>
-            <a:r>
-              <a:rPr lang="en-US" sz="2000" dirty="0"/>
-              <a:t>code is typical for a </a:t>
-            </a:r>
-            <a:r>
-              <a:rPr lang="en-US" sz="2000" b="1" i="1" dirty="0"/>
-              <a:t>REST API</a:t>
-            </a:r>
-            <a:r>
-              <a:rPr lang="en-US" sz="2000" dirty="0"/>
-              <a:t>. </a:t>
-            </a:r>
-            <a:r>
-              <a:rPr lang="en-US" sz="2000" b="1" i="1" dirty="0" err="1"/>
-              <a:t>MapControllers</a:t>
-            </a:r>
-            <a:r>
-              <a:rPr lang="en-US" sz="2000" b="1" i="1" dirty="0"/>
-              <a:t>()</a:t>
-            </a:r>
-            <a:r>
-              <a:rPr lang="en-US" sz="2000" dirty="0"/>
-              <a:t> is called inside </a:t>
-            </a:r>
-            <a:r>
-              <a:rPr lang="en-US" sz="2000" b="1" i="1" dirty="0" err="1"/>
-              <a:t>UseEndpoints</a:t>
-            </a:r>
-            <a:r>
-              <a:rPr lang="en-US" sz="2000" b="1" i="1" dirty="0"/>
-              <a:t>()</a:t>
-            </a:r>
-            <a:r>
-              <a:rPr lang="en-US" sz="2000" dirty="0"/>
-              <a:t> to map </a:t>
-            </a:r>
-            <a:r>
-              <a:rPr lang="en-US" sz="2000" u="sng" dirty="0"/>
-              <a:t>attribute routed </a:t>
-            </a:r>
-            <a:r>
-              <a:rPr lang="en-US" sz="2000" dirty="0"/>
-              <a:t>controllers.</a:t>
-            </a:r>
-          </a:p>
-        </p:txBody>
-      </p:sp>
-      <p:pic>
-        <p:nvPicPr>
-          <p:cNvPr id="5" name="Picture 4">
-            <a:extLst>
-              <a:ext uri="{FF2B5EF4-FFF2-40B4-BE49-F238E27FC236}">
-                <a16:creationId xmlns:a16="http://schemas.microsoft.com/office/drawing/2014/main" id="{4FE56C91-9BE8-481A-90F0-2DF41C063B42}"/>
-              </a:ext>
-            </a:extLst>
-          </p:cNvPr>
-          <p:cNvPicPr>
-            <a:picLocks noChangeAspect="1"/>
-          </p:cNvPicPr>
-          <p:nvPr/>
-        </p:nvPicPr>
-        <p:blipFill>
-          <a:blip r:embed="rId3"/>
-          <a:stretch>
-            <a:fillRect/>
-          </a:stretch>
-        </p:blipFill>
-        <p:spPr>
-          <a:xfrm>
-            <a:off x="2022762" y="3907576"/>
-            <a:ext cx="8257179" cy="2839112"/>
-          </a:xfrm>
-          <a:prstGeom prst="rect">
-            <a:avLst/>
-          </a:prstGeom>
-          <a:effectLst>
-            <a:glow rad="63500">
-              <a:schemeClr val="accent2"/>
-            </a:glow>
-          </a:effectLst>
-        </p:spPr>
-      </p:pic>
-    </p:spTree>
-    <p:extLst>
-      <p:ext uri="{BB962C8B-B14F-4D97-AF65-F5344CB8AC3E}">
-        <p14:creationId xmlns:p14="http://schemas.microsoft.com/office/powerpoint/2010/main" val="983291343"/>
-      </p:ext>
-    </p:extLst>
-  </p:cSld>
-  <p:clrMapOvr>
-    <a:masterClrMapping/>
-  </p:clrMapOvr>
-</p:sld>
-</file>
-
-<file path=ppt/slides/slide9.xml><?xml version="1.0" encoding="utf-8"?>
-<p:sld xmlns:a="http://schemas.openxmlformats.org/drawingml/2006/main" xmlns:r="http://schemas.openxmlformats.org/officeDocument/2006/relationships" xmlns:p="http://schemas.openxmlformats.org/presentationml/2006/main">
-  <p:cSld>
-    <p:spTree>
-      <p:nvGrpSpPr>
-        <p:cNvPr id="1" name=""/>
-        <p:cNvGrpSpPr/>
-        <p:nvPr/>
-      </p:nvGrpSpPr>
-      <p:grpSpPr>
-        <a:xfrm>
-          <a:off x="0" y="0"/>
-          <a:ext cx="0" cy="0"/>
-          <a:chOff x="0" y="0"/>
-          <a:chExt cx="0" cy="0"/>
-        </a:xfrm>
-      </p:grpSpPr>
-      <p:sp>
-        <p:nvSpPr>
-          <p:cNvPr id="2" name="Title 1">
-            <a:extLst>
-              <a:ext uri="{FF2B5EF4-FFF2-40B4-BE49-F238E27FC236}">
-                <a16:creationId xmlns:a16="http://schemas.microsoft.com/office/drawing/2014/main" id="{79CA0BCC-5211-4CEF-8C26-6D836CC3AA29}"/>
-              </a:ext>
-            </a:extLst>
-          </p:cNvPr>
-          <p:cNvSpPr>
-            <a:spLocks noGrp="1"/>
-          </p:cNvSpPr>
-          <p:nvPr>
-            <p:ph type="title"/>
-          </p:nvPr>
-        </p:nvSpPr>
-        <p:spPr/>
-        <p:txBody>
-          <a:bodyPr>
-            <a:normAutofit/>
-          </a:bodyPr>
-          <a:lstStyle/>
-          <a:p>
-            <a:r>
-              <a:rPr lang="en-US" dirty="0"/>
-              <a:t>Attribute Routing – REST API’s</a:t>
-            </a:r>
-            <a:br>
-              <a:rPr lang="en-US" dirty="0"/>
-            </a:br>
-            <a:r>
-              <a:rPr lang="en-US" sz="1200" dirty="0">
-                <a:hlinkClick r:id="rId2"/>
-              </a:rPr>
-              <a:t>https://docs.microsoft.com/en-us/aspnet/core/mvc/controllers/routing?view=aspnetcore-3.1#attribute-routing-for-rest-apis</a:t>
-            </a:r>
-            <a:endParaRPr lang="en-US" dirty="0"/>
-          </a:p>
-        </p:txBody>
-      </p:sp>
-      <p:sp>
-        <p:nvSpPr>
-          <p:cNvPr id="3" name="Content Placeholder 2">
-            <a:extLst>
-              <a:ext uri="{FF2B5EF4-FFF2-40B4-BE49-F238E27FC236}">
-                <a16:creationId xmlns:a16="http://schemas.microsoft.com/office/drawing/2014/main" id="{25C8006E-3A88-473D-94CB-DCC3427A46D0}"/>
-              </a:ext>
-            </a:extLst>
-          </p:cNvPr>
-          <p:cNvSpPr>
-            <a:spLocks noGrp="1"/>
-          </p:cNvSpPr>
-          <p:nvPr>
-            <p:ph idx="1"/>
-          </p:nvPr>
-        </p:nvSpPr>
-        <p:spPr>
-          <a:xfrm>
-            <a:off x="581891" y="1910687"/>
-            <a:ext cx="5232055" cy="4490113"/>
-          </a:xfrm>
-        </p:spPr>
-        <p:txBody>
-          <a:bodyPr anchor="ctr">
-            <a:normAutofit/>
-          </a:bodyPr>
-          <a:lstStyle/>
-          <a:p>
-            <a:r>
-              <a:rPr lang="en-US" sz="2000" dirty="0"/>
-              <a:t>In this example, the </a:t>
-            </a:r>
-            <a:r>
-              <a:rPr lang="en-US" sz="2000" b="1" i="1" dirty="0"/>
-              <a:t>Configure</a:t>
-            </a:r>
-            <a:r>
-              <a:rPr lang="en-US" sz="2000" dirty="0"/>
-              <a:t> method is used.</a:t>
-            </a:r>
-          </a:p>
-          <a:p>
-            <a:r>
-              <a:rPr lang="en-US" sz="2000" b="1" i="1" dirty="0" err="1"/>
-              <a:t>HomeController</a:t>
-            </a:r>
-            <a:r>
-              <a:rPr lang="en-US" sz="2000" dirty="0"/>
-              <a:t> matches a set of URLs similar to what the default </a:t>
-            </a:r>
-            <a:r>
-              <a:rPr lang="en-US" sz="2000" b="1" i="1" dirty="0"/>
-              <a:t>conventional</a:t>
-            </a:r>
-            <a:r>
-              <a:rPr lang="en-US" sz="2000" dirty="0"/>
-              <a:t> route {</a:t>
-            </a:r>
-            <a:r>
-              <a:rPr lang="en-US" sz="2000" u="sng" dirty="0"/>
-              <a:t>controller=Home}/{action=Index}/{id?} </a:t>
-            </a:r>
-            <a:r>
-              <a:rPr lang="en-US" sz="2000" dirty="0"/>
-              <a:t>matches. </a:t>
-            </a:r>
-            <a:r>
-              <a:rPr lang="en-US" sz="2000" b="1" i="1" dirty="0"/>
-              <a:t>Attribute routing </a:t>
-            </a:r>
-            <a:r>
-              <a:rPr lang="en-US" sz="2000" dirty="0"/>
-              <a:t>requires more input to specify a route. </a:t>
-            </a:r>
-            <a:r>
-              <a:rPr lang="en-US" sz="2000" b="1" i="1" dirty="0"/>
-              <a:t>Conventional Routing </a:t>
-            </a:r>
-            <a:r>
-              <a:rPr lang="en-US" sz="2000" dirty="0"/>
-              <a:t>handles routes more succinctly, but </a:t>
-            </a:r>
-            <a:r>
-              <a:rPr lang="en-US" sz="2000" b="1" i="1" dirty="0"/>
-              <a:t>Attribute Routing</a:t>
-            </a:r>
-            <a:r>
-              <a:rPr lang="en-US" sz="2000" dirty="0"/>
-              <a:t> allows (and requires) precise control of which route templates apply to each </a:t>
-            </a:r>
-            <a:r>
-              <a:rPr lang="en-US" sz="2000" b="1" i="1" dirty="0"/>
-              <a:t>action</a:t>
-            </a:r>
-            <a:r>
-              <a:rPr lang="en-US" sz="2000" dirty="0"/>
-              <a:t>.</a:t>
-            </a:r>
-          </a:p>
-          <a:p>
-            <a:r>
-              <a:rPr lang="en-US" sz="2000" dirty="0"/>
-              <a:t>With </a:t>
-            </a:r>
-            <a:r>
-              <a:rPr lang="en-US" sz="2000" b="1" i="1" dirty="0"/>
-              <a:t>attribute routing</a:t>
-            </a:r>
-            <a:r>
-              <a:rPr lang="en-US" sz="2000" dirty="0"/>
-              <a:t>, the </a:t>
-            </a:r>
-            <a:r>
-              <a:rPr lang="en-US" sz="2000" b="1" i="1" dirty="0"/>
-              <a:t>controller</a:t>
-            </a:r>
-            <a:r>
-              <a:rPr lang="en-US" sz="2000" dirty="0"/>
-              <a:t> name and </a:t>
-            </a:r>
-            <a:r>
-              <a:rPr lang="en-US" sz="2000" b="1" i="1" dirty="0"/>
-              <a:t>action</a:t>
-            </a:r>
-            <a:r>
-              <a:rPr lang="en-US" sz="2000" dirty="0"/>
-              <a:t> names play </a:t>
-            </a:r>
-            <a:r>
-              <a:rPr lang="en-US" sz="2000" u="sng" dirty="0"/>
-              <a:t>no</a:t>
-            </a:r>
-            <a:r>
-              <a:rPr lang="en-US" sz="2000" dirty="0"/>
-              <a:t> role in which </a:t>
-            </a:r>
-            <a:r>
-              <a:rPr lang="en-US" sz="2000" b="1" i="1" dirty="0"/>
-              <a:t>action</a:t>
-            </a:r>
-            <a:r>
-              <a:rPr lang="en-US" sz="2000" dirty="0"/>
-              <a:t> is matched.</a:t>
-            </a:r>
-          </a:p>
-        </p:txBody>
-      </p:sp>
-      <p:pic>
-        <p:nvPicPr>
-          <p:cNvPr id="5" name="Picture 4">
-            <a:extLst>
-              <a:ext uri="{FF2B5EF4-FFF2-40B4-BE49-F238E27FC236}">
-                <a16:creationId xmlns:a16="http://schemas.microsoft.com/office/drawing/2014/main" id="{77CC8C17-3C97-4CF8-A2C3-5C0A7637E7F8}"/>
-              </a:ext>
-            </a:extLst>
-          </p:cNvPr>
-          <p:cNvPicPr>
-            <a:picLocks noChangeAspect="1"/>
-          </p:cNvPicPr>
-          <p:nvPr/>
-        </p:nvPicPr>
-        <p:blipFill>
-          <a:blip r:embed="rId3"/>
-          <a:stretch>
-            <a:fillRect/>
-          </a:stretch>
-        </p:blipFill>
-        <p:spPr>
-          <a:xfrm>
-            <a:off x="6082351" y="2083647"/>
-            <a:ext cx="5905009" cy="4569634"/>
-          </a:xfrm>
-          <a:prstGeom prst="rect">
-            <a:avLst/>
-          </a:prstGeom>
-          <a:effectLst>
-            <a:glow rad="50800">
-              <a:schemeClr val="accent2"/>
-            </a:glow>
-          </a:effectLst>
-        </p:spPr>
-      </p:pic>
-    </p:spTree>
-    <p:extLst>
-      <p:ext uri="{BB962C8B-B14F-4D97-AF65-F5344CB8AC3E}">
-        <p14:creationId xmlns:p14="http://schemas.microsoft.com/office/powerpoint/2010/main" val="2518382446"/>
       </p:ext>
     </p:extLst>
   </p:cSld>

--- a/REPO_MarksCodeAndPPTs/DotNetPPTs/dotnetWeek3Ppts/D15_.NET_Routing.pptx
+++ b/REPO_MarksCodeAndPPTs/DotNetPPTs/dotnetWeek3Ppts/D15_.NET_Routing.pptx
@@ -124,14 +124,6 @@
 </p:presentation>
 </file>
 
-<file path=ppt/revisionInfo.xml><?xml version="1.0" encoding="utf-8"?>
-<p1510:revInfo xmlns:a="http://schemas.openxmlformats.org/drawingml/2006/main" xmlns:r="http://schemas.openxmlformats.org/officeDocument/2006/relationships" xmlns:p1510="http://schemas.microsoft.com/office/powerpoint/2015/10/main">
-  <p1510:revLst>
-    <p1510:client id="{4AAA517A-8693-4162-B2B0-C7483921DCB3}" v="85" dt="2020-03-28T23:13:33.193"/>
-  </p1510:revLst>
-</p1510:revInfo>
-</file>
-
 <file path=ppt/slideLayouts/slideLayout1.xml><?xml version="1.0" encoding="utf-8"?>
 <p:sldLayout xmlns:a="http://schemas.openxmlformats.org/drawingml/2006/main" xmlns:r="http://schemas.openxmlformats.org/officeDocument/2006/relationships" xmlns:p="http://schemas.openxmlformats.org/presentationml/2006/main" showMasterSp="0" type="title" preserve="1">
   <p:cSld name="Title Slide">
@@ -376,7 +368,7 @@
           <a:p>
             <a:fld id="{9184DA70-C731-4C70-880D-CCD4705E623C}" type="datetime1">
               <a:rPr lang="en-US" smtClean="0"/>
-              <a:t>3/31/2020</a:t>
+              <a:t>4/8/2020</a:t>
             </a:fld>
             <a:endParaRPr lang="en-US" dirty="0"/>
           </a:p>
@@ -564,7 +556,7 @@
           <a:p>
             <a:fld id="{B612A279-0833-481D-8C56-F67FD0AC6C50}" type="datetime1">
               <a:rPr lang="en-US" smtClean="0"/>
-              <a:t>3/31/2020</a:t>
+              <a:t>4/8/2020</a:t>
             </a:fld>
             <a:endParaRPr lang="en-US" dirty="0"/>
           </a:p>
@@ -806,7 +798,7 @@
           <a:p>
             <a:fld id="{6587DA83-5663-4C9C-B9AA-0B40A3DAFF81}" type="datetime1">
               <a:rPr lang="en-US" smtClean="0"/>
-              <a:t>3/31/2020</a:t>
+              <a:t>4/8/2020</a:t>
             </a:fld>
             <a:endParaRPr lang="en-US" dirty="0"/>
           </a:p>
@@ -994,7 +986,7 @@
           <a:p>
             <a:fld id="{4BE1D723-8F53-4F53-90B0-1982A396982E}" type="datetime1">
               <a:rPr lang="en-US" smtClean="0"/>
-              <a:t>3/31/2020</a:t>
+              <a:t>4/8/2020</a:t>
             </a:fld>
             <a:endParaRPr lang="en-US" dirty="0"/>
           </a:p>
@@ -1367,7 +1359,7 @@
           <a:p>
             <a:fld id="{97669AF7-7BEB-44E4-9852-375E34362B5B}" type="datetime1">
               <a:rPr lang="en-US" smtClean="0"/>
-              <a:t>3/31/2020</a:t>
+              <a:t>4/8/2020</a:t>
             </a:fld>
             <a:endParaRPr lang="en-US" dirty="0"/>
           </a:p>
@@ -1622,7 +1614,7 @@
           <a:p>
             <a:fld id="{BAAAC38D-0552-4C82-B593-E6124DFADBE2}" type="datetime1">
               <a:rPr lang="en-US" smtClean="0"/>
-              <a:t>3/31/2020</a:t>
+              <a:t>4/8/2020</a:t>
             </a:fld>
             <a:endParaRPr lang="en-US" dirty="0"/>
           </a:p>
@@ -2019,7 +2011,7 @@
           <a:p>
             <a:fld id="{D9DF0F1C-5577-4ACB-BB62-DF8F3C494C7E}" type="datetime1">
               <a:rPr lang="en-US" smtClean="0"/>
-              <a:t>3/31/2020</a:t>
+              <a:t>4/8/2020</a:t>
             </a:fld>
             <a:endParaRPr lang="en-US" dirty="0"/>
           </a:p>
@@ -2155,7 +2147,7 @@
           <a:p>
             <a:fld id="{1775B394-D9F9-4F0C-B15D-605F45CB9E9F}" type="datetime1">
               <a:rPr lang="en-US" smtClean="0"/>
-              <a:t>3/31/2020</a:t>
+              <a:t>4/8/2020</a:t>
             </a:fld>
             <a:endParaRPr lang="en-US" dirty="0"/>
           </a:p>
@@ -2312,7 +2304,7 @@
           <a:p>
             <a:fld id="{39667345-2558-425A-8533-9BFDBCE15005}" type="datetime1">
               <a:rPr lang="en-US" smtClean="0"/>
-              <a:t>3/31/2020</a:t>
+              <a:t>4/8/2020</a:t>
             </a:fld>
             <a:endParaRPr lang="en-US" dirty="0"/>
           </a:p>
@@ -2641,7 +2633,7 @@
           <a:p>
             <a:fld id="{92BEA474-078D-4E9B-9B14-09A87B19DC46}" type="datetime1">
               <a:rPr lang="en-US" smtClean="0"/>
-              <a:t>3/31/2020</a:t>
+              <a:t>4/8/2020</a:t>
             </a:fld>
             <a:endParaRPr lang="en-US" dirty="0"/>
           </a:p>
@@ -2991,7 +2983,7 @@
           <a:p>
             <a:fld id="{4907D986-8816-4272-A432-0437A28A9828}" type="datetime1">
               <a:rPr lang="en-US" smtClean="0"/>
-              <a:t>3/31/2020</a:t>
+              <a:t>4/8/2020</a:t>
             </a:fld>
             <a:endParaRPr lang="en-US" dirty="0"/>
           </a:p>
@@ -3252,7 +3244,7 @@
           <a:p>
             <a:fld id="{62D6E202-B606-4609-B914-27C9371A1F6D}" type="datetime1">
               <a:rPr lang="en-US" smtClean="0"/>
-              <a:t>3/31/2020</a:t>
+              <a:t>4/8/2020</a:t>
             </a:fld>
             <a:endParaRPr lang="en-US" dirty="0"/>
           </a:p>
@@ -5170,7 +5162,7 @@
         </p:blipFill>
         <p:spPr>
           <a:xfrm>
-            <a:off x="1533129" y="759863"/>
+            <a:off x="927648" y="401517"/>
             <a:ext cx="9125741" cy="5338273"/>
           </a:xfrm>
           <a:prstGeom prst="rect">
